--- a/01.참고자료/191010_Vuex 튜토리얼.pptx
+++ b/01.참고자료/191010_Vuex 튜토리얼.pptx
@@ -5,7 +5,7 @@
     <p:sldMasterId id="2147483660" r:id="rId1"/>
   </p:sldMasterIdLst>
   <p:notesMasterIdLst>
-    <p:notesMasterId r:id="rId35"/>
+    <p:notesMasterId r:id="rId33"/>
   </p:notesMasterIdLst>
   <p:sldIdLst>
     <p:sldId id="256" r:id="rId2"/>
@@ -38,48 +38,46 @@
     <p:sldId id="356" r:id="rId29"/>
     <p:sldId id="357" r:id="rId30"/>
     <p:sldId id="358" r:id="rId31"/>
-    <p:sldId id="359" r:id="rId32"/>
-    <p:sldId id="360" r:id="rId33"/>
-    <p:sldId id="265" r:id="rId34"/>
+    <p:sldId id="265" r:id="rId32"/>
   </p:sldIdLst>
   <p:sldSz cx="9144000" cy="6858000" type="screen4x3"/>
   <p:notesSz cx="6858000" cy="9144000"/>
   <p:embeddedFontLst>
     <p:embeddedFont>
+      <p:font typeface="넥슨Lv1고딕" panose="020B0600000101010101" charset="-127"/>
+      <p:regular r:id="rId34"/>
+    </p:embeddedFont>
+    <p:embeddedFont>
+      <p:font typeface="넥슨Lv1고딕 Bold" panose="020B0600000101010101" charset="-127"/>
+      <p:bold r:id="rId35"/>
+    </p:embeddedFont>
+    <p:embeddedFont>
+      <p:font typeface="넥슨Lv1고딕 Light" panose="020B0600000101010101" charset="-127"/>
+      <p:regular r:id="rId36"/>
+    </p:embeddedFont>
+    <p:embeddedFont>
       <p:font typeface="Calibri" panose="020F0502020204030204" pitchFamily="34" charset="0"/>
-      <p:regular r:id="rId36"/>
-      <p:bold r:id="rId37"/>
-      <p:italic r:id="rId38"/>
-      <p:boldItalic r:id="rId39"/>
+      <p:regular r:id="rId37"/>
+      <p:bold r:id="rId38"/>
+      <p:italic r:id="rId39"/>
+      <p:boldItalic r:id="rId40"/>
     </p:embeddedFont>
     <p:embeddedFont>
       <p:font typeface="Calibri Light" panose="020F0302020204030204" pitchFamily="34" charset="0"/>
-      <p:regular r:id="rId40"/>
-      <p:italic r:id="rId41"/>
+      <p:regular r:id="rId41"/>
+      <p:italic r:id="rId42"/>
     </p:embeddedFont>
     <p:embeddedFont>
       <p:font typeface="Consolas" panose="020B0609020204030204" pitchFamily="49" charset="0"/>
-      <p:regular r:id="rId42"/>
-      <p:bold r:id="rId43"/>
-      <p:italic r:id="rId44"/>
-      <p:boldItalic r:id="rId45"/>
-    </p:embeddedFont>
-    <p:embeddedFont>
-      <p:font typeface="넥슨Lv1고딕" panose="00000500000000000000" pitchFamily="2" charset="-127"/>
-      <p:regular r:id="rId46"/>
-    </p:embeddedFont>
-    <p:embeddedFont>
-      <p:font typeface="넥슨Lv1고딕 Bold" panose="00000800000000000000" pitchFamily="2" charset="-127"/>
-      <p:bold r:id="rId47"/>
-    </p:embeddedFont>
-    <p:embeddedFont>
-      <p:font typeface="넥슨Lv1고딕 Light" panose="00000300000000000000" pitchFamily="2" charset="-127"/>
-      <p:regular r:id="rId48"/>
+      <p:regular r:id="rId43"/>
+      <p:bold r:id="rId44"/>
+      <p:italic r:id="rId45"/>
+      <p:boldItalic r:id="rId46"/>
     </p:embeddedFont>
     <p:embeddedFont>
       <p:font typeface="맑은 고딕" panose="020B0503020000020004" pitchFamily="50" charset="-127"/>
-      <p:regular r:id="rId49"/>
-      <p:bold r:id="rId50"/>
+      <p:regular r:id="rId47"/>
+      <p:bold r:id="rId48"/>
     </p:embeddedFont>
   </p:embeddedFontLst>
   <p:defaultTextStyle>
@@ -220,8 +218,6 @@
             <p14:sldId id="356"/>
             <p14:sldId id="357"/>
             <p14:sldId id="358"/>
-            <p14:sldId id="359"/>
-            <p14:sldId id="360"/>
             <p14:sldId id="265"/>
           </p14:sldIdLst>
         </p14:section>
@@ -397,7 +393,7 @@
           <a:p>
             <a:fld id="{F6FDBE08-7F47-4987-9F93-804BC9BF4C4D}" type="datetimeFigureOut">
               <a:rPr lang="ko-KR" altLang="en-US" smtClean="0"/>
-              <a:t>2019-10-19</a:t>
+              <a:t>2019-10-24</a:t>
             </a:fld>
             <a:endParaRPr lang="ko-KR" altLang="en-US"/>
           </a:p>
@@ -2596,174 +2592,6 @@
 </p:notes>
 </file>
 
-<file path=ppt/notesSlides/notesSlide30.xml><?xml version="1.0" encoding="utf-8"?>
-<p:notes xmlns:a="http://schemas.openxmlformats.org/drawingml/2006/main" xmlns:r="http://schemas.openxmlformats.org/officeDocument/2006/relationships" xmlns:p="http://schemas.openxmlformats.org/presentationml/2006/main">
-  <p:cSld>
-    <p:spTree>
-      <p:nvGrpSpPr>
-        <p:cNvPr id="1" name=""/>
-        <p:cNvGrpSpPr/>
-        <p:nvPr/>
-      </p:nvGrpSpPr>
-      <p:grpSpPr>
-        <a:xfrm>
-          <a:off x="0" y="0"/>
-          <a:ext cx="0" cy="0"/>
-          <a:chOff x="0" y="0"/>
-          <a:chExt cx="0" cy="0"/>
-        </a:xfrm>
-      </p:grpSpPr>
-      <p:sp>
-        <p:nvSpPr>
-          <p:cNvPr id="2" name="슬라이드 이미지 개체 틀 1"/>
-          <p:cNvSpPr>
-            <a:spLocks noGrp="1" noRot="1" noChangeAspect="1"/>
-          </p:cNvSpPr>
-          <p:nvPr>
-            <p:ph type="sldImg"/>
-          </p:nvPr>
-        </p:nvSpPr>
-        <p:spPr/>
-      </p:sp>
-      <p:sp>
-        <p:nvSpPr>
-          <p:cNvPr id="3" name="슬라이드 노트 개체 틀 2"/>
-          <p:cNvSpPr>
-            <a:spLocks noGrp="1"/>
-          </p:cNvSpPr>
-          <p:nvPr>
-            <p:ph type="body" idx="1"/>
-          </p:nvPr>
-        </p:nvSpPr>
-        <p:spPr/>
-        <p:txBody>
-          <a:bodyPr/>
-          <a:lstStyle/>
-          <a:p>
-            <a:endParaRPr lang="ko-KR" altLang="en-US"/>
-          </a:p>
-        </p:txBody>
-      </p:sp>
-      <p:sp>
-        <p:nvSpPr>
-          <p:cNvPr id="4" name="슬라이드 번호 개체 틀 3"/>
-          <p:cNvSpPr>
-            <a:spLocks noGrp="1"/>
-          </p:cNvSpPr>
-          <p:nvPr>
-            <p:ph type="sldNum" sz="quarter" idx="10"/>
-          </p:nvPr>
-        </p:nvSpPr>
-        <p:spPr/>
-        <p:txBody>
-          <a:bodyPr/>
-          <a:lstStyle/>
-          <a:p>
-            <a:fld id="{20EFBB80-8FD0-438D-AE1E-AD03ACA97BEA}" type="slidenum">
-              <a:rPr lang="ko-KR" altLang="en-US" smtClean="0"/>
-              <a:t>30</a:t>
-            </a:fld>
-            <a:endParaRPr lang="ko-KR" altLang="en-US"/>
-          </a:p>
-        </p:txBody>
-      </p:sp>
-    </p:spTree>
-    <p:extLst>
-      <p:ext uri="{BB962C8B-B14F-4D97-AF65-F5344CB8AC3E}">
-        <p14:creationId xmlns:p14="http://schemas.microsoft.com/office/powerpoint/2010/main" val="2160020679"/>
-      </p:ext>
-    </p:extLst>
-  </p:cSld>
-  <p:clrMapOvr>
-    <a:masterClrMapping/>
-  </p:clrMapOvr>
-</p:notes>
-</file>
-
-<file path=ppt/notesSlides/notesSlide31.xml><?xml version="1.0" encoding="utf-8"?>
-<p:notes xmlns:a="http://schemas.openxmlformats.org/drawingml/2006/main" xmlns:r="http://schemas.openxmlformats.org/officeDocument/2006/relationships" xmlns:p="http://schemas.openxmlformats.org/presentationml/2006/main">
-  <p:cSld>
-    <p:spTree>
-      <p:nvGrpSpPr>
-        <p:cNvPr id="1" name=""/>
-        <p:cNvGrpSpPr/>
-        <p:nvPr/>
-      </p:nvGrpSpPr>
-      <p:grpSpPr>
-        <a:xfrm>
-          <a:off x="0" y="0"/>
-          <a:ext cx="0" cy="0"/>
-          <a:chOff x="0" y="0"/>
-          <a:chExt cx="0" cy="0"/>
-        </a:xfrm>
-      </p:grpSpPr>
-      <p:sp>
-        <p:nvSpPr>
-          <p:cNvPr id="2" name="슬라이드 이미지 개체 틀 1"/>
-          <p:cNvSpPr>
-            <a:spLocks noGrp="1" noRot="1" noChangeAspect="1"/>
-          </p:cNvSpPr>
-          <p:nvPr>
-            <p:ph type="sldImg"/>
-          </p:nvPr>
-        </p:nvSpPr>
-        <p:spPr/>
-      </p:sp>
-      <p:sp>
-        <p:nvSpPr>
-          <p:cNvPr id="3" name="슬라이드 노트 개체 틀 2"/>
-          <p:cNvSpPr>
-            <a:spLocks noGrp="1"/>
-          </p:cNvSpPr>
-          <p:nvPr>
-            <p:ph type="body" idx="1"/>
-          </p:nvPr>
-        </p:nvSpPr>
-        <p:spPr/>
-        <p:txBody>
-          <a:bodyPr/>
-          <a:lstStyle/>
-          <a:p>
-            <a:endParaRPr lang="ko-KR" altLang="en-US"/>
-          </a:p>
-        </p:txBody>
-      </p:sp>
-      <p:sp>
-        <p:nvSpPr>
-          <p:cNvPr id="4" name="슬라이드 번호 개체 틀 3"/>
-          <p:cNvSpPr>
-            <a:spLocks noGrp="1"/>
-          </p:cNvSpPr>
-          <p:nvPr>
-            <p:ph type="sldNum" sz="quarter" idx="10"/>
-          </p:nvPr>
-        </p:nvSpPr>
-        <p:spPr/>
-        <p:txBody>
-          <a:bodyPr/>
-          <a:lstStyle/>
-          <a:p>
-            <a:fld id="{20EFBB80-8FD0-438D-AE1E-AD03ACA97BEA}" type="slidenum">
-              <a:rPr lang="ko-KR" altLang="en-US" smtClean="0"/>
-              <a:t>31</a:t>
-            </a:fld>
-            <a:endParaRPr lang="ko-KR" altLang="en-US"/>
-          </a:p>
-        </p:txBody>
-      </p:sp>
-    </p:spTree>
-    <p:extLst>
-      <p:ext uri="{BB962C8B-B14F-4D97-AF65-F5344CB8AC3E}">
-        <p14:creationId xmlns:p14="http://schemas.microsoft.com/office/powerpoint/2010/main" val="1226982121"/>
-      </p:ext>
-    </p:extLst>
-  </p:cSld>
-  <p:clrMapOvr>
-    <a:masterClrMapping/>
-  </p:clrMapOvr>
-</p:notes>
-</file>
-
 <file path=ppt/notesSlides/notesSlide4.xml><?xml version="1.0" encoding="utf-8"?>
 <p:notes xmlns:a="http://schemas.openxmlformats.org/drawingml/2006/main" xmlns:r="http://schemas.openxmlformats.org/officeDocument/2006/relationships" xmlns:p="http://schemas.openxmlformats.org/presentationml/2006/main">
   <p:cSld>
@@ -3399,7 +3227,7 @@
           <a:p>
             <a:fld id="{1FE4C637-EB85-4CFD-86D0-A8886F020EA8}" type="datetime1">
               <a:rPr lang="ko-KR" altLang="en-US" smtClean="0"/>
-              <a:t>2019-10-19</a:t>
+              <a:t>2019-10-24</a:t>
             </a:fld>
             <a:endParaRPr lang="ko-KR" altLang="en-US"/>
           </a:p>
@@ -3674,7 +3502,7 @@
           <a:p>
             <a:fld id="{F2B705D9-2E09-43D7-9A35-F563146D3CB4}" type="datetime1">
               <a:rPr lang="ko-KR" altLang="en-US" smtClean="0"/>
-              <a:t>2019-10-19</a:t>
+              <a:t>2019-10-24</a:t>
             </a:fld>
             <a:endParaRPr lang="ko-KR" altLang="en-US"/>
           </a:p>
@@ -3854,7 +3682,7 @@
           <a:p>
             <a:fld id="{49534E30-3936-4775-8B54-6BAAA95B1992}" type="datetime1">
               <a:rPr lang="ko-KR" altLang="en-US" smtClean="0"/>
-              <a:t>2019-10-19</a:t>
+              <a:t>2019-10-24</a:t>
             </a:fld>
             <a:endParaRPr lang="ko-KR" altLang="en-US"/>
           </a:p>
@@ -4024,7 +3852,7 @@
           <a:p>
             <a:fld id="{F118FE1B-3E79-4A4A-872D-75650BCC1C86}" type="datetime1">
               <a:rPr lang="ko-KR" altLang="en-US" smtClean="0"/>
-              <a:t>2019-10-19</a:t>
+              <a:t>2019-10-24</a:t>
             </a:fld>
             <a:endParaRPr lang="ko-KR" altLang="en-US"/>
           </a:p>
@@ -4385,7 +4213,7 @@
           <a:p>
             <a:fld id="{9CB0BFB1-E0DD-4C55-B58A-05B97B933D5A}" type="datetime1">
               <a:rPr lang="ko-KR" altLang="en-US" smtClean="0"/>
-              <a:t>2019-10-19</a:t>
+              <a:t>2019-10-24</a:t>
             </a:fld>
             <a:endParaRPr lang="ko-KR" altLang="en-US"/>
           </a:p>
@@ -4624,7 +4452,7 @@
           <a:p>
             <a:fld id="{EC1BAE79-E887-4BEA-AB3B-E56F52C1BBB2}" type="datetime1">
               <a:rPr lang="ko-KR" altLang="en-US" smtClean="0"/>
-              <a:t>2019-10-19</a:t>
+              <a:t>2019-10-24</a:t>
             </a:fld>
             <a:endParaRPr lang="ko-KR" altLang="en-US"/>
           </a:p>
@@ -4991,7 +4819,7 @@
           <a:p>
             <a:fld id="{F9B76080-ECAA-401B-8263-2E43FECA4E80}" type="datetime1">
               <a:rPr lang="ko-KR" altLang="en-US" smtClean="0"/>
-              <a:t>2019-10-19</a:t>
+              <a:t>2019-10-24</a:t>
             </a:fld>
             <a:endParaRPr lang="ko-KR" altLang="en-US"/>
           </a:p>
@@ -5109,7 +4937,7 @@
           <a:p>
             <a:fld id="{9EBE0658-A779-465A-A3F7-3DF734018C74}" type="datetime1">
               <a:rPr lang="ko-KR" altLang="en-US" smtClean="0"/>
-              <a:t>2019-10-19</a:t>
+              <a:t>2019-10-24</a:t>
             </a:fld>
             <a:endParaRPr lang="ko-KR" altLang="en-US"/>
           </a:p>
@@ -5204,7 +5032,7 @@
           <a:p>
             <a:fld id="{F0E25338-95D2-4179-9A46-224B3BB66FE5}" type="datetime1">
               <a:rPr lang="ko-KR" altLang="en-US" smtClean="0"/>
-              <a:t>2019-10-19</a:t>
+              <a:t>2019-10-24</a:t>
             </a:fld>
             <a:endParaRPr lang="ko-KR" altLang="en-US"/>
           </a:p>
@@ -5481,7 +5309,7 @@
           <a:p>
             <a:fld id="{F78904E9-32E6-44C5-B986-724316F31060}" type="datetime1">
               <a:rPr lang="ko-KR" altLang="en-US" smtClean="0"/>
-              <a:t>2019-10-19</a:t>
+              <a:t>2019-10-24</a:t>
             </a:fld>
             <a:endParaRPr lang="ko-KR" altLang="en-US"/>
           </a:p>
@@ -5738,7 +5566,7 @@
           <a:p>
             <a:fld id="{5B60377E-B8D0-45BD-B414-1A76DA1A8022}" type="datetime1">
               <a:rPr lang="ko-KR" altLang="en-US" smtClean="0"/>
-              <a:t>2019-10-19</a:t>
+              <a:t>2019-10-24</a:t>
             </a:fld>
             <a:endParaRPr lang="ko-KR" altLang="en-US"/>
           </a:p>
@@ -5951,7 +5779,7 @@
           <a:p>
             <a:fld id="{2136196C-DFE3-4B2C-A981-468C566CCAA8}" type="datetime1">
               <a:rPr lang="ko-KR" altLang="en-US" smtClean="0"/>
-              <a:t>2019-10-19</a:t>
+              <a:t>2019-10-24</a:t>
             </a:fld>
             <a:endParaRPr lang="ko-KR" altLang="en-US"/>
           </a:p>
@@ -19487,7 +19315,7 @@
         </p:nvSpPr>
         <p:spPr>
           <a:xfrm>
-            <a:off x="1109816" y="1621685"/>
+            <a:off x="1290484" y="1621685"/>
             <a:ext cx="5195885" cy="350275"/>
           </a:xfrm>
           <a:prstGeom prst="roundRect">
@@ -19523,7 +19351,7 @@
           <a:lstStyle/>
           <a:p>
             <a:r>
-              <a:rPr lang="ko-KR" altLang="en-US" sz="1200" spc="-50" dirty="0">
+              <a:rPr lang="en-US" altLang="ko-KR" sz="1200" spc="-50" dirty="0" err="1">
                 <a:solidFill>
                   <a:schemeClr val="accent1">
                     <a:lumMod val="50000"/>
@@ -19532,8 +19360,53 @@
                 <a:latin typeface="넥슨Lv1고딕 Bold" panose="00000800000000000000" pitchFamily="2" charset="-127"/>
                 <a:ea typeface="넥슨Lv1고딕 Bold" panose="00000800000000000000" pitchFamily="2" charset="-127"/>
               </a:rPr>
-              <a:t>도원님이 생각하는 캡쳐에 대한 제목</a:t>
-            </a:r>
+              <a:t>src</a:t>
+            </a:r>
+            <a:r>
+              <a:rPr lang="en-US" altLang="ko-KR" sz="1200" spc="-50" dirty="0">
+                <a:solidFill>
+                  <a:schemeClr val="accent1">
+                    <a:lumMod val="50000"/>
+                  </a:schemeClr>
+                </a:solidFill>
+                <a:latin typeface="넥슨Lv1고딕 Bold" panose="00000800000000000000" pitchFamily="2" charset="-127"/>
+                <a:ea typeface="넥슨Lv1고딕 Bold" panose="00000800000000000000" pitchFamily="2" charset="-127"/>
+              </a:rPr>
+              <a:t>/main.js </a:t>
+            </a:r>
+            <a:r>
+              <a:rPr lang="ko-KR" altLang="en-US" sz="1200" spc="-50" dirty="0">
+                <a:solidFill>
+                  <a:schemeClr val="accent1">
+                    <a:lumMod val="50000"/>
+                  </a:schemeClr>
+                </a:solidFill>
+                <a:latin typeface="넥슨Lv1고딕 Bold" panose="00000800000000000000" pitchFamily="2" charset="-127"/>
+                <a:ea typeface="넥슨Lv1고딕 Bold" panose="00000800000000000000" pitchFamily="2" charset="-127"/>
+              </a:rPr>
+              <a:t>파일</a:t>
+            </a:r>
+            <a:r>
+              <a:rPr lang="en-US" altLang="ko-KR" sz="1200" spc="-50" dirty="0">
+                <a:solidFill>
+                  <a:schemeClr val="accent1">
+                    <a:lumMod val="50000"/>
+                  </a:schemeClr>
+                </a:solidFill>
+                <a:latin typeface="넥슨Lv1고딕 Bold" panose="00000800000000000000" pitchFamily="2" charset="-127"/>
+                <a:ea typeface="넥슨Lv1고딕 Bold" panose="00000800000000000000" pitchFamily="2" charset="-127"/>
+              </a:rPr>
+              <a:t> </a:t>
+            </a:r>
+            <a:endParaRPr lang="ko-KR" altLang="en-US" sz="1200" spc="-50" dirty="0">
+              <a:solidFill>
+                <a:schemeClr val="accent1">
+                  <a:lumMod val="50000"/>
+                </a:schemeClr>
+              </a:solidFill>
+              <a:latin typeface="넥슨Lv1고딕 Bold" panose="00000800000000000000" pitchFamily="2" charset="-127"/>
+              <a:ea typeface="넥슨Lv1고딕 Bold" panose="00000800000000000000" pitchFamily="2" charset="-127"/>
+            </a:endParaRPr>
           </a:p>
         </p:txBody>
       </p:sp>
@@ -19817,7 +19690,7 @@
         <p:spPr>
           <a:xfrm>
             <a:off x="1415846" y="2061361"/>
-            <a:ext cx="6844233" cy="261610"/>
+            <a:ext cx="6844233" cy="430887"/>
           </a:xfrm>
           <a:prstGeom prst="rect">
             <a:avLst/>
@@ -19831,19 +19704,187 @@
           <a:lstStyle/>
           <a:p>
             <a:r>
+              <a:rPr lang="en-US" altLang="ko-KR" sz="1100" spc="-50" dirty="0" err="1">
+                <a:latin typeface="넥슨Lv1고딕 Light" panose="00000300000000000000" pitchFamily="2" charset="-127"/>
+                <a:ea typeface="넥슨Lv1고딕 Light" panose="00000300000000000000" pitchFamily="2" charset="-127"/>
+              </a:rPr>
+              <a:t>src</a:t>
+            </a:r>
+            <a:r>
+              <a:rPr lang="en-US" altLang="ko-KR" sz="1100" spc="-50" dirty="0">
+                <a:latin typeface="넥슨Lv1고딕 Light" panose="00000300000000000000" pitchFamily="2" charset="-127"/>
+                <a:ea typeface="넥슨Lv1고딕 Light" panose="00000300000000000000" pitchFamily="2" charset="-127"/>
+              </a:rPr>
+              <a:t>/main.js </a:t>
+            </a:r>
+            <a:r>
               <a:rPr lang="ko-KR" altLang="en-US" sz="1100" spc="-50" dirty="0">
                 <a:latin typeface="넥슨Lv1고딕 Light" panose="00000300000000000000" pitchFamily="2" charset="-127"/>
                 <a:ea typeface="넥슨Lv1고딕 Light" panose="00000300000000000000" pitchFamily="2" charset="-127"/>
               </a:rPr>
-              <a:t>도원님이 생각하는 캡쳐에 대한 설명</a:t>
+              <a:t>파일에</a:t>
+            </a:r>
+            <a:r>
+              <a:rPr lang="en-US" altLang="ko-KR" sz="1100" spc="-50" dirty="0">
+                <a:latin typeface="넥슨Lv1고딕 Light" panose="00000300000000000000" pitchFamily="2" charset="-127"/>
+                <a:ea typeface="넥슨Lv1고딕 Light" panose="00000300000000000000" pitchFamily="2" charset="-127"/>
+              </a:rPr>
+              <a:t> ./store/index.js </a:t>
+            </a:r>
+            <a:r>
+              <a:rPr lang="ko-KR" altLang="en-US" sz="1100" spc="-50" dirty="0">
+                <a:latin typeface="넥슨Lv1고딕 Light" panose="00000300000000000000" pitchFamily="2" charset="-127"/>
+                <a:ea typeface="넥슨Lv1고딕 Light" panose="00000300000000000000" pitchFamily="2" charset="-127"/>
+              </a:rPr>
+              <a:t>를</a:t>
+            </a:r>
+            <a:r>
+              <a:rPr lang="en-US" altLang="ko-KR" sz="1100" spc="-50" dirty="0">
+                <a:latin typeface="넥슨Lv1고딕 Light" panose="00000300000000000000" pitchFamily="2" charset="-127"/>
+                <a:ea typeface="넥슨Lv1고딕 Light" panose="00000300000000000000" pitchFamily="2" charset="-127"/>
+              </a:rPr>
+              <a:t> </a:t>
+            </a:r>
+            <a:r>
+              <a:rPr lang="ko-KR" altLang="en-US" sz="1100" spc="-50" dirty="0">
+                <a:latin typeface="넥슨Lv1고딕 Light" panose="00000300000000000000" pitchFamily="2" charset="-127"/>
+                <a:ea typeface="넥슨Lv1고딕 Light" panose="00000300000000000000" pitchFamily="2" charset="-127"/>
+              </a:rPr>
+              <a:t>불러오고</a:t>
+            </a:r>
+            <a:r>
+              <a:rPr lang="en-US" altLang="ko-KR" sz="1100" spc="-50" dirty="0">
+                <a:latin typeface="넥슨Lv1고딕 Light" panose="00000300000000000000" pitchFamily="2" charset="-127"/>
+                <a:ea typeface="넥슨Lv1고딕 Light" panose="00000300000000000000" pitchFamily="2" charset="-127"/>
+              </a:rPr>
+              <a:t>, Vue </a:t>
+            </a:r>
+            <a:r>
+              <a:rPr lang="ko-KR" altLang="en-US" sz="1100" spc="-50" dirty="0">
+                <a:latin typeface="넥슨Lv1고딕 Light" panose="00000300000000000000" pitchFamily="2" charset="-127"/>
+                <a:ea typeface="넥슨Lv1고딕 Light" panose="00000300000000000000" pitchFamily="2" charset="-127"/>
+              </a:rPr>
+              <a:t>인스턴스에  </a:t>
+            </a:r>
+            <a:r>
+              <a:rPr lang="en-US" altLang="ko-KR" sz="1100" spc="-50" dirty="0">
+                <a:latin typeface="넥슨Lv1고딕 Light" panose="00000300000000000000" pitchFamily="2" charset="-127"/>
+                <a:ea typeface="넥슨Lv1고딕 Light" panose="00000300000000000000" pitchFamily="2" charset="-127"/>
+              </a:rPr>
+              <a:t>store</a:t>
+            </a:r>
+            <a:r>
+              <a:rPr lang="ko-KR" altLang="en-US" sz="1100" spc="-50" dirty="0">
+                <a:latin typeface="넥슨Lv1고딕 Light" panose="00000300000000000000" pitchFamily="2" charset="-127"/>
+                <a:ea typeface="넥슨Lv1고딕 Light" panose="00000300000000000000" pitchFamily="2" charset="-127"/>
+              </a:rPr>
+              <a:t>를 등록</a:t>
             </a:r>
             <a:endParaRPr lang="en-US" altLang="ko-KR" sz="1100" spc="-50" dirty="0">
               <a:latin typeface="넥슨Lv1고딕 Light" panose="00000300000000000000" pitchFamily="2" charset="-127"/>
               <a:ea typeface="넥슨Lv1고딕 Light" panose="00000300000000000000" pitchFamily="2" charset="-127"/>
             </a:endParaRPr>
           </a:p>
-        </p:txBody>
-      </p:sp>
+          <a:p>
+            <a:r>
+              <a:rPr lang="en-US" altLang="ko-KR" sz="1100" spc="-50" dirty="0">
+                <a:latin typeface="넥슨Lv1고딕 Light" panose="00000300000000000000" pitchFamily="2" charset="-127"/>
+                <a:ea typeface="넥슨Lv1고딕 Light" panose="00000300000000000000" pitchFamily="2" charset="-127"/>
+              </a:rPr>
+              <a:t>( </a:t>
+            </a:r>
+            <a:r>
+              <a:rPr lang="ko-KR" altLang="en-US" sz="1100" spc="-50" dirty="0">
+                <a:latin typeface="넥슨Lv1고딕 Light" panose="00000300000000000000" pitchFamily="2" charset="-127"/>
+                <a:ea typeface="넥슨Lv1고딕 Light" panose="00000300000000000000" pitchFamily="2" charset="-127"/>
+              </a:rPr>
+              <a:t>경로를 </a:t>
+            </a:r>
+            <a:r>
+              <a:rPr lang="en-US" altLang="ko-KR" sz="1100" spc="-50" dirty="0">
+                <a:latin typeface="넥슨Lv1고딕 Light" panose="00000300000000000000" pitchFamily="2" charset="-127"/>
+                <a:ea typeface="넥슨Lv1고딕 Light" panose="00000300000000000000" pitchFamily="2" charset="-127"/>
+              </a:rPr>
+              <a:t>./store </a:t>
+            </a:r>
+            <a:r>
+              <a:rPr lang="ko-KR" altLang="en-US" sz="1100" spc="-50" dirty="0">
+                <a:latin typeface="넥슨Lv1고딕 Light" panose="00000300000000000000" pitchFamily="2" charset="-127"/>
+                <a:ea typeface="넥슨Lv1고딕 Light" panose="00000300000000000000" pitchFamily="2" charset="-127"/>
+              </a:rPr>
+              <a:t>로 작성 할 경우 </a:t>
+            </a:r>
+            <a:r>
+              <a:rPr lang="en-US" altLang="ko-KR" sz="1100" spc="-50" dirty="0">
+                <a:latin typeface="넥슨Lv1고딕 Light" panose="00000300000000000000" pitchFamily="2" charset="-127"/>
+                <a:ea typeface="넥슨Lv1고딕 Light" panose="00000300000000000000" pitchFamily="2" charset="-127"/>
+              </a:rPr>
+              <a:t>index </a:t>
+            </a:r>
+            <a:r>
+              <a:rPr lang="ko-KR" altLang="en-US" sz="1100" spc="-50" dirty="0">
+                <a:latin typeface="넥슨Lv1고딕 Light" panose="00000300000000000000" pitchFamily="2" charset="-127"/>
+                <a:ea typeface="넥슨Lv1고딕 Light" panose="00000300000000000000" pitchFamily="2" charset="-127"/>
+              </a:rPr>
+              <a:t>파일을 불러옴</a:t>
+            </a:r>
+            <a:r>
+              <a:rPr lang="en-US" altLang="ko-KR" sz="1100" spc="-50" dirty="0">
+                <a:latin typeface="넥슨Lv1고딕 Light" panose="00000300000000000000" pitchFamily="2" charset="-127"/>
+                <a:ea typeface="넥슨Lv1고딕 Light" panose="00000300000000000000" pitchFamily="2" charset="-127"/>
+              </a:rPr>
+              <a:t>)</a:t>
+            </a:r>
+            <a:r>
+              <a:rPr lang="ko-KR" altLang="en-US" sz="1100" spc="-50" dirty="0">
+                <a:latin typeface="넥슨Lv1고딕 Light" panose="00000300000000000000" pitchFamily="2" charset="-127"/>
+                <a:ea typeface="넥슨Lv1고딕 Light" panose="00000300000000000000" pitchFamily="2" charset="-127"/>
+              </a:rPr>
+              <a:t> </a:t>
+            </a:r>
+            <a:endParaRPr lang="en-US" altLang="ko-KR" sz="1100" spc="-50" dirty="0">
+              <a:latin typeface="넥슨Lv1고딕 Light" panose="00000300000000000000" pitchFamily="2" charset="-127"/>
+              <a:ea typeface="넥슨Lv1고딕 Light" panose="00000300000000000000" pitchFamily="2" charset="-127"/>
+            </a:endParaRPr>
+          </a:p>
+        </p:txBody>
+      </p:sp>
+      <p:pic>
+        <p:nvPicPr>
+          <p:cNvPr id="7" name="그림 6">
+            <a:extLst>
+              <a:ext uri="{FF2B5EF4-FFF2-40B4-BE49-F238E27FC236}">
+                <a16:creationId xmlns:a16="http://schemas.microsoft.com/office/drawing/2014/main" id="{9B500EE8-35F5-4EEE-8668-EA76319BDFD1}"/>
+              </a:ext>
+            </a:extLst>
+          </p:cNvPr>
+          <p:cNvPicPr>
+            <a:picLocks noChangeAspect="1"/>
+          </p:cNvPicPr>
+          <p:nvPr/>
+        </p:nvPicPr>
+        <p:blipFill>
+          <a:blip r:embed="rId3">
+            <a:extLst>
+              <a:ext uri="{28A0092B-C50C-407E-A947-70E740481C1C}">
+                <a14:useLocalDpi xmlns:a14="http://schemas.microsoft.com/office/drawing/2010/main" val="0"/>
+              </a:ext>
+            </a:extLst>
+          </a:blip>
+          <a:stretch>
+            <a:fillRect/>
+          </a:stretch>
+        </p:blipFill>
+        <p:spPr>
+          <a:xfrm>
+            <a:off x="1415846" y="2566940"/>
+            <a:ext cx="3286125" cy="2581275"/>
+          </a:xfrm>
+          <a:prstGeom prst="rect">
+            <a:avLst/>
+          </a:prstGeom>
+        </p:spPr>
+      </p:pic>
     </p:spTree>
     <p:extLst>
       <p:ext uri="{BB962C8B-B14F-4D97-AF65-F5344CB8AC3E}">
@@ -19924,7 +19965,7 @@
           <a:lstStyle/>
           <a:p>
             <a:r>
-              <a:rPr lang="ko-KR" altLang="en-US" sz="1200" spc="-50" dirty="0">
+              <a:rPr lang="en-US" altLang="ko-KR" sz="1200" spc="-50" dirty="0">
                 <a:solidFill>
                   <a:schemeClr val="accent1">
                     <a:lumMod val="50000"/>
@@ -19933,7 +19974,19 @@
                 <a:latin typeface="넥슨Lv1고딕 Bold" panose="00000800000000000000" pitchFamily="2" charset="-127"/>
                 <a:ea typeface="넥슨Lv1고딕 Bold" panose="00000800000000000000" pitchFamily="2" charset="-127"/>
               </a:rPr>
-              <a:t>도원님이 생각하는 캡쳐에 대한 제목</a:t>
+              <a:t>./store/index.js </a:t>
+            </a:r>
+            <a:r>
+              <a:rPr lang="ko-KR" altLang="en-US" sz="1200" spc="-50" dirty="0">
+                <a:solidFill>
+                  <a:schemeClr val="accent1">
+                    <a:lumMod val="50000"/>
+                  </a:schemeClr>
+                </a:solidFill>
+                <a:latin typeface="넥슨Lv1고딕 Bold" panose="00000800000000000000" pitchFamily="2" charset="-127"/>
+                <a:ea typeface="넥슨Lv1고딕 Bold" panose="00000800000000000000" pitchFamily="2" charset="-127"/>
+              </a:rPr>
+              <a:t>파일</a:t>
             </a:r>
           </a:p>
         </p:txBody>
@@ -20232,11 +20285,60 @@
           <a:lstStyle/>
           <a:p>
             <a:r>
+              <a:rPr lang="en-US" altLang="ko-KR" sz="1100" spc="-50" dirty="0" err="1">
+                <a:latin typeface="넥슨Lv1고딕 Light" panose="00000300000000000000" pitchFamily="2" charset="-127"/>
+                <a:ea typeface="넥슨Lv1고딕 Light" panose="00000300000000000000" pitchFamily="2" charset="-127"/>
+              </a:rPr>
+              <a:t>Vuex</a:t>
+            </a:r>
+            <a:r>
               <a:rPr lang="ko-KR" altLang="en-US" sz="1100" spc="-50" dirty="0">
                 <a:latin typeface="넥슨Lv1고딕 Light" panose="00000300000000000000" pitchFamily="2" charset="-127"/>
                 <a:ea typeface="넥슨Lv1고딕 Light" panose="00000300000000000000" pitchFamily="2" charset="-127"/>
               </a:rPr>
-              <a:t>도원님이 생각하는 캡쳐에 대한 설명</a:t>
+              <a:t>를 </a:t>
+            </a:r>
+            <a:r>
+              <a:rPr lang="en-US" altLang="ko-KR" sz="1100" spc="-50" dirty="0">
+                <a:latin typeface="넥슨Lv1고딕 Light" panose="00000300000000000000" pitchFamily="2" charset="-127"/>
+                <a:ea typeface="넥슨Lv1고딕 Light" panose="00000300000000000000" pitchFamily="2" charset="-127"/>
+              </a:rPr>
+              <a:t>import </a:t>
+            </a:r>
+            <a:r>
+              <a:rPr lang="ko-KR" altLang="en-US" sz="1100" spc="-50" dirty="0">
+                <a:latin typeface="넥슨Lv1고딕 Light" panose="00000300000000000000" pitchFamily="2" charset="-127"/>
+                <a:ea typeface="넥슨Lv1고딕 Light" panose="00000300000000000000" pitchFamily="2" charset="-127"/>
+              </a:rPr>
+              <a:t>하고 </a:t>
+            </a:r>
+            <a:r>
+              <a:rPr lang="en-US" altLang="ko-KR" sz="1100" spc="-50" dirty="0" err="1">
+                <a:latin typeface="넥슨Lv1고딕 Light" panose="00000300000000000000" pitchFamily="2" charset="-127"/>
+                <a:ea typeface="넥슨Lv1고딕 Light" panose="00000300000000000000" pitchFamily="2" charset="-127"/>
+              </a:rPr>
+              <a:t>vuex</a:t>
+            </a:r>
+            <a:r>
+              <a:rPr lang="ko-KR" altLang="en-US" sz="1100" spc="-50" dirty="0">
+                <a:latin typeface="넥슨Lv1고딕 Light" panose="00000300000000000000" pitchFamily="2" charset="-127"/>
+                <a:ea typeface="넥슨Lv1고딕 Light" panose="00000300000000000000" pitchFamily="2" charset="-127"/>
+              </a:rPr>
+              <a:t>를 </a:t>
+            </a:r>
+            <a:r>
+              <a:rPr lang="en-US" altLang="ko-KR" sz="1100" spc="-50" dirty="0" err="1">
+                <a:latin typeface="넥슨Lv1고딕 Light" panose="00000300000000000000" pitchFamily="2" charset="-127"/>
+                <a:ea typeface="넥슨Lv1고딕 Light" panose="00000300000000000000" pitchFamily="2" charset="-127"/>
+              </a:rPr>
+              <a:t>vue</a:t>
+            </a:r>
+            <a:r>
+              <a:rPr lang="ko-KR" altLang="en-US" sz="1100" spc="-50" dirty="0">
+                <a:latin typeface="넥슨Lv1고딕 Light" panose="00000300000000000000" pitchFamily="2" charset="-127"/>
+                <a:ea typeface="넥슨Lv1고딕 Light" panose="00000300000000000000" pitchFamily="2" charset="-127"/>
+              </a:rPr>
+              <a:t>에 추가</a:t>
             </a:r>
             <a:endParaRPr lang="en-US" altLang="ko-KR" sz="1100" spc="-50" dirty="0">
               <a:latin typeface="넥슨Lv1고딕 Light" panose="00000300000000000000" pitchFamily="2" charset="-127"/>
@@ -20245,6 +20347,42 @@
           </a:p>
         </p:txBody>
       </p:sp>
+      <p:pic>
+        <p:nvPicPr>
+          <p:cNvPr id="5" name="그림 4">
+            <a:extLst>
+              <a:ext uri="{FF2B5EF4-FFF2-40B4-BE49-F238E27FC236}">
+                <a16:creationId xmlns:a16="http://schemas.microsoft.com/office/drawing/2014/main" id="{CD896F0E-A370-4E99-B96D-D52E3B0E4A9F}"/>
+              </a:ext>
+            </a:extLst>
+          </p:cNvPr>
+          <p:cNvPicPr>
+            <a:picLocks noChangeAspect="1"/>
+          </p:cNvPicPr>
+          <p:nvPr/>
+        </p:nvPicPr>
+        <p:blipFill>
+          <a:blip r:embed="rId3">
+            <a:extLst>
+              <a:ext uri="{28A0092B-C50C-407E-A947-70E740481C1C}">
+                <a14:useLocalDpi xmlns:a14="http://schemas.microsoft.com/office/drawing/2010/main" val="0"/>
+              </a:ext>
+            </a:extLst>
+          </a:blip>
+          <a:stretch>
+            <a:fillRect/>
+          </a:stretch>
+        </p:blipFill>
+        <p:spPr>
+          <a:xfrm>
+            <a:off x="1415846" y="2412372"/>
+            <a:ext cx="1924050" cy="809625"/>
+          </a:xfrm>
+          <a:prstGeom prst="rect">
+            <a:avLst/>
+          </a:prstGeom>
+        </p:spPr>
+      </p:pic>
     </p:spTree>
     <p:extLst>
       <p:ext uri="{BB962C8B-B14F-4D97-AF65-F5344CB8AC3E}">
@@ -20289,7 +20427,7 @@
         </p:nvSpPr>
         <p:spPr>
           <a:xfrm>
-            <a:off x="1109816" y="1621685"/>
+            <a:off x="1084006" y="1610380"/>
             <a:ext cx="5195885" cy="350275"/>
           </a:xfrm>
           <a:prstGeom prst="roundRect">
@@ -20325,7 +20463,7 @@
           <a:lstStyle/>
           <a:p>
             <a:r>
-              <a:rPr lang="ko-KR" altLang="en-US" sz="1200" spc="-50" dirty="0">
+              <a:rPr lang="en-US" altLang="ko-KR" sz="1200" spc="-50" dirty="0">
                 <a:solidFill>
                   <a:schemeClr val="accent1">
                     <a:lumMod val="50000"/>
@@ -20334,7 +20472,19 @@
                 <a:latin typeface="넥슨Lv1고딕 Bold" panose="00000800000000000000" pitchFamily="2" charset="-127"/>
                 <a:ea typeface="넥슨Lv1고딕 Bold" panose="00000800000000000000" pitchFamily="2" charset="-127"/>
               </a:rPr>
-              <a:t>도원님이 생각하는 캡쳐에 대한 제목</a:t>
+              <a:t>./store/index.js </a:t>
+            </a:r>
+            <a:r>
+              <a:rPr lang="ko-KR" altLang="en-US" sz="1200" spc="-50" dirty="0">
+                <a:solidFill>
+                  <a:schemeClr val="accent1">
+                    <a:lumMod val="50000"/>
+                  </a:schemeClr>
+                </a:solidFill>
+                <a:latin typeface="넥슨Lv1고딕 Bold" panose="00000800000000000000" pitchFamily="2" charset="-127"/>
+                <a:ea typeface="넥슨Lv1고딕 Bold" panose="00000800000000000000" pitchFamily="2" charset="-127"/>
+              </a:rPr>
+              <a:t>파일</a:t>
             </a:r>
           </a:p>
         </p:txBody>
@@ -20619,7 +20769,7 @@
         <p:spPr>
           <a:xfrm>
             <a:off x="1415846" y="2061361"/>
-            <a:ext cx="6844233" cy="261610"/>
+            <a:ext cx="6844233" cy="430887"/>
           </a:xfrm>
           <a:prstGeom prst="rect">
             <a:avLst/>
@@ -20637,15 +20787,148 @@
                 <a:latin typeface="넥슨Lv1고딕 Light" panose="00000300000000000000" pitchFamily="2" charset="-127"/>
                 <a:ea typeface="넥슨Lv1고딕 Light" panose="00000300000000000000" pitchFamily="2" charset="-127"/>
               </a:rPr>
-              <a:t>도원님이 생각하는 캡쳐에 대한 설명</a:t>
+              <a:t>기존 </a:t>
+            </a:r>
+            <a:r>
+              <a:rPr lang="en-US" altLang="ko-KR" sz="1100" spc="-50" dirty="0">
+                <a:latin typeface="넥슨Lv1고딕 Light" panose="00000300000000000000" pitchFamily="2" charset="-127"/>
+                <a:ea typeface="넥슨Lv1고딕 Light" panose="00000300000000000000" pitchFamily="2" charset="-127"/>
+              </a:rPr>
+              <a:t>./store/monster.js </a:t>
+            </a:r>
+            <a:r>
+              <a:rPr lang="ko-KR" altLang="en-US" sz="1100" spc="-50" dirty="0">
+                <a:latin typeface="넥슨Lv1고딕 Light" panose="00000300000000000000" pitchFamily="2" charset="-127"/>
+                <a:ea typeface="넥슨Lv1고딕 Light" panose="00000300000000000000" pitchFamily="2" charset="-127"/>
+              </a:rPr>
+              <a:t>에 있던 </a:t>
+            </a:r>
+            <a:r>
+              <a:rPr lang="en-US" altLang="ko-KR" sz="1100" spc="-50" dirty="0">
+                <a:latin typeface="넥슨Lv1고딕 Light" panose="00000300000000000000" pitchFamily="2" charset="-127"/>
+                <a:ea typeface="넥슨Lv1고딕 Light" panose="00000300000000000000" pitchFamily="2" charset="-127"/>
+              </a:rPr>
+              <a:t>data </a:t>
+            </a:r>
+            <a:r>
+              <a:rPr lang="ko-KR" altLang="en-US" sz="1100" spc="-50" dirty="0">
+                <a:latin typeface="넥슨Lv1고딕 Light" panose="00000300000000000000" pitchFamily="2" charset="-127"/>
+                <a:ea typeface="넥슨Lv1고딕 Light" panose="00000300000000000000" pitchFamily="2" charset="-127"/>
+              </a:rPr>
+              <a:t>와 </a:t>
+            </a:r>
+            <a:r>
+              <a:rPr lang="en-US" altLang="ko-KR" sz="1100" spc="-50" dirty="0" err="1">
+                <a:latin typeface="넥슨Lv1고딕 Light" panose="00000300000000000000" pitchFamily="2" charset="-127"/>
+                <a:ea typeface="넥슨Lv1고딕 Light" panose="00000300000000000000" pitchFamily="2" charset="-127"/>
+              </a:rPr>
+              <a:t>MonsterView.vue</a:t>
+            </a:r>
+            <a:r>
+              <a:rPr lang="en-US" altLang="ko-KR" sz="1100" spc="-50" dirty="0">
+                <a:latin typeface="넥슨Lv1고딕 Light" panose="00000300000000000000" pitchFamily="2" charset="-127"/>
+                <a:ea typeface="넥슨Lv1고딕 Light" panose="00000300000000000000" pitchFamily="2" charset="-127"/>
+              </a:rPr>
+              <a:t> </a:t>
+            </a:r>
+            <a:r>
+              <a:rPr lang="ko-KR" altLang="en-US" sz="1100" spc="-50" dirty="0">
+                <a:latin typeface="넥슨Lv1고딕 Light" panose="00000300000000000000" pitchFamily="2" charset="-127"/>
+                <a:ea typeface="넥슨Lv1고딕 Light" panose="00000300000000000000" pitchFamily="2" charset="-127"/>
+              </a:rPr>
+              <a:t>컴포넌트 에 있던 </a:t>
+            </a:r>
+            <a:r>
+              <a:rPr lang="en-US" altLang="ko-KR" sz="1100" spc="-50" dirty="0">
+                <a:latin typeface="넥슨Lv1고딕 Light" panose="00000300000000000000" pitchFamily="2" charset="-127"/>
+                <a:ea typeface="넥슨Lv1고딕 Light" panose="00000300000000000000" pitchFamily="2" charset="-127"/>
+              </a:rPr>
+              <a:t>data </a:t>
+            </a:r>
+            <a:r>
+              <a:rPr lang="ko-KR" altLang="en-US" sz="1100" spc="-50" dirty="0">
+                <a:latin typeface="넥슨Lv1고딕 Light" panose="00000300000000000000" pitchFamily="2" charset="-127"/>
+                <a:ea typeface="넥슨Lv1고딕 Light" panose="00000300000000000000" pitchFamily="2" charset="-127"/>
+              </a:rPr>
+              <a:t>를 </a:t>
             </a:r>
             <a:endParaRPr lang="en-US" altLang="ko-KR" sz="1100" spc="-50" dirty="0">
               <a:latin typeface="넥슨Lv1고딕 Light" panose="00000300000000000000" pitchFamily="2" charset="-127"/>
               <a:ea typeface="넥슨Lv1고딕 Light" panose="00000300000000000000" pitchFamily="2" charset="-127"/>
             </a:endParaRPr>
           </a:p>
-        </p:txBody>
-      </p:sp>
+          <a:p>
+            <a:r>
+              <a:rPr lang="en-US" altLang="ko-KR" sz="1100" spc="-50" dirty="0">
+                <a:latin typeface="넥슨Lv1고딕 Light" panose="00000300000000000000" pitchFamily="2" charset="-127"/>
+                <a:ea typeface="넥슨Lv1고딕 Light" panose="00000300000000000000" pitchFamily="2" charset="-127"/>
+              </a:rPr>
+              <a:t>./store/index.js </a:t>
+            </a:r>
+            <a:r>
+              <a:rPr lang="ko-KR" altLang="en-US" sz="1100" spc="-50" dirty="0">
+                <a:latin typeface="넥슨Lv1고딕 Light" panose="00000300000000000000" pitchFamily="2" charset="-127"/>
+                <a:ea typeface="넥슨Lv1고딕 Light" panose="00000300000000000000" pitchFamily="2" charset="-127"/>
+              </a:rPr>
+              <a:t>파일의 </a:t>
+            </a:r>
+            <a:r>
+              <a:rPr lang="en-US" altLang="ko-KR" sz="1100" spc="-50" dirty="0">
+                <a:latin typeface="넥슨Lv1고딕 Light" panose="00000300000000000000" pitchFamily="2" charset="-127"/>
+                <a:ea typeface="넥슨Lv1고딕 Light" panose="00000300000000000000" pitchFamily="2" charset="-127"/>
+              </a:rPr>
+              <a:t>state </a:t>
+            </a:r>
+            <a:r>
+              <a:rPr lang="ko-KR" altLang="en-US" sz="1100" spc="-50" dirty="0">
+                <a:latin typeface="넥슨Lv1고딕 Light" panose="00000300000000000000" pitchFamily="2" charset="-127"/>
+                <a:ea typeface="넥슨Lv1고딕 Light" panose="00000300000000000000" pitchFamily="2" charset="-127"/>
+              </a:rPr>
+              <a:t>에 저장</a:t>
+            </a:r>
+            <a:endParaRPr lang="en-US" altLang="ko-KR" sz="1100" spc="-50" dirty="0">
+              <a:latin typeface="넥슨Lv1고딕 Light" panose="00000300000000000000" pitchFamily="2" charset="-127"/>
+              <a:ea typeface="넥슨Lv1고딕 Light" panose="00000300000000000000" pitchFamily="2" charset="-127"/>
+            </a:endParaRPr>
+          </a:p>
+        </p:txBody>
+      </p:sp>
+      <p:pic>
+        <p:nvPicPr>
+          <p:cNvPr id="7" name="그림 6">
+            <a:extLst>
+              <a:ext uri="{FF2B5EF4-FFF2-40B4-BE49-F238E27FC236}">
+                <a16:creationId xmlns:a16="http://schemas.microsoft.com/office/drawing/2014/main" id="{D8F0C50E-5DE3-4096-97D3-5D0ED33BA34F}"/>
+              </a:ext>
+            </a:extLst>
+          </p:cNvPr>
+          <p:cNvPicPr>
+            <a:picLocks noChangeAspect="1"/>
+          </p:cNvPicPr>
+          <p:nvPr/>
+        </p:nvPicPr>
+        <p:blipFill>
+          <a:blip r:embed="rId3">
+            <a:extLst>
+              <a:ext uri="{28A0092B-C50C-407E-A947-70E740481C1C}">
+                <a14:useLocalDpi xmlns:a14="http://schemas.microsoft.com/office/drawing/2010/main" val="0"/>
+              </a:ext>
+            </a:extLst>
+          </a:blip>
+          <a:stretch>
+            <a:fillRect/>
+          </a:stretch>
+        </p:blipFill>
+        <p:spPr>
+          <a:xfrm>
+            <a:off x="1415846" y="2571750"/>
+            <a:ext cx="3486150" cy="1714500"/>
+          </a:xfrm>
+          <a:prstGeom prst="rect">
+            <a:avLst/>
+          </a:prstGeom>
+        </p:spPr>
+      </p:pic>
     </p:spTree>
     <p:extLst>
       <p:ext uri="{BB962C8B-B14F-4D97-AF65-F5344CB8AC3E}">
@@ -20726,7 +21009,7 @@
           <a:lstStyle/>
           <a:p>
             <a:r>
-              <a:rPr lang="ko-KR" altLang="en-US" sz="1200" spc="-50" dirty="0">
+              <a:rPr lang="en-US" altLang="ko-KR" sz="1200" spc="-50" dirty="0">
                 <a:solidFill>
                   <a:schemeClr val="accent1">
                     <a:lumMod val="50000"/>
@@ -20735,7 +21018,19 @@
                 <a:latin typeface="넥슨Lv1고딕 Bold" panose="00000800000000000000" pitchFamily="2" charset="-127"/>
                 <a:ea typeface="넥슨Lv1고딕 Bold" panose="00000800000000000000" pitchFamily="2" charset="-127"/>
               </a:rPr>
-              <a:t>도원님이 생각하는 캡쳐에 대한 제목</a:t>
+              <a:t>./store/index.js </a:t>
+            </a:r>
+            <a:r>
+              <a:rPr lang="ko-KR" altLang="en-US" sz="1200" spc="-50" dirty="0">
+                <a:solidFill>
+                  <a:schemeClr val="accent1">
+                    <a:lumMod val="50000"/>
+                  </a:schemeClr>
+                </a:solidFill>
+                <a:latin typeface="넥슨Lv1고딕 Bold" panose="00000800000000000000" pitchFamily="2" charset="-127"/>
+                <a:ea typeface="넥슨Lv1고딕 Bold" panose="00000800000000000000" pitchFamily="2" charset="-127"/>
+              </a:rPr>
+              <a:t>파일</a:t>
             </a:r>
           </a:p>
         </p:txBody>
@@ -21019,8 +21314,8 @@
         </p:nvSpPr>
         <p:spPr>
           <a:xfrm>
-            <a:off x="1415846" y="2061361"/>
-            <a:ext cx="6844233" cy="261610"/>
+            <a:off x="1290484" y="2054034"/>
+            <a:ext cx="6844233" cy="600164"/>
           </a:xfrm>
           <a:prstGeom prst="rect">
             <a:avLst/>
@@ -21034,19 +21329,187 @@
           <a:lstStyle/>
           <a:p>
             <a:r>
+              <a:rPr lang="en-US" altLang="ko-KR" sz="1100" spc="-50" dirty="0" err="1">
+                <a:latin typeface="넥슨Lv1고딕 Light" panose="00000300000000000000" pitchFamily="2" charset="-127"/>
+                <a:ea typeface="넥슨Lv1고딕 Light" panose="00000300000000000000" pitchFamily="2" charset="-127"/>
+              </a:rPr>
+              <a:t>MonsterView.vue</a:t>
+            </a:r>
+            <a:r>
+              <a:rPr lang="en-US" altLang="ko-KR" sz="1100" spc="-50" dirty="0">
+                <a:latin typeface="넥슨Lv1고딕 Light" panose="00000300000000000000" pitchFamily="2" charset="-127"/>
+                <a:ea typeface="넥슨Lv1고딕 Light" panose="00000300000000000000" pitchFamily="2" charset="-127"/>
+              </a:rPr>
+              <a:t> </a:t>
+            </a:r>
+            <a:r>
               <a:rPr lang="ko-KR" altLang="en-US" sz="1100" spc="-50" dirty="0">
                 <a:latin typeface="넥슨Lv1고딕 Light" panose="00000300000000000000" pitchFamily="2" charset="-127"/>
                 <a:ea typeface="넥슨Lv1고딕 Light" panose="00000300000000000000" pitchFamily="2" charset="-127"/>
               </a:rPr>
-              <a:t>도원님이 생각하는 캡쳐에 대한 설명</a:t>
+              <a:t>파일의 </a:t>
+            </a:r>
+            <a:r>
+              <a:rPr lang="en-US" altLang="ko-KR" sz="1100" spc="-50" dirty="0">
+                <a:latin typeface="넥슨Lv1고딕 Light" panose="00000300000000000000" pitchFamily="2" charset="-127"/>
+                <a:ea typeface="넥슨Lv1고딕 Light" panose="00000300000000000000" pitchFamily="2" charset="-127"/>
+              </a:rPr>
+              <a:t>methods </a:t>
+            </a:r>
+            <a:r>
+              <a:rPr lang="ko-KR" altLang="en-US" sz="1100" spc="-50" dirty="0">
+                <a:latin typeface="넥슨Lv1고딕 Light" panose="00000300000000000000" pitchFamily="2" charset="-127"/>
+                <a:ea typeface="넥슨Lv1고딕 Light" panose="00000300000000000000" pitchFamily="2" charset="-127"/>
+              </a:rPr>
+              <a:t>에 정의 되어있던 함수를 </a:t>
+            </a:r>
+            <a:r>
+              <a:rPr lang="en-US" altLang="ko-KR" sz="1100" spc="-50" dirty="0">
+                <a:latin typeface="넥슨Lv1고딕 Light" panose="00000300000000000000" pitchFamily="2" charset="-127"/>
+                <a:ea typeface="넥슨Lv1고딕 Light" panose="00000300000000000000" pitchFamily="2" charset="-127"/>
+              </a:rPr>
+              <a:t>mutations </a:t>
+            </a:r>
+            <a:r>
+              <a:rPr lang="ko-KR" altLang="en-US" sz="1100" spc="-50" dirty="0">
+                <a:latin typeface="넥슨Lv1고딕 Light" panose="00000300000000000000" pitchFamily="2" charset="-127"/>
+                <a:ea typeface="넥슨Lv1고딕 Light" panose="00000300000000000000" pitchFamily="2" charset="-127"/>
+              </a:rPr>
+              <a:t>로 이동</a:t>
             </a:r>
             <a:endParaRPr lang="en-US" altLang="ko-KR" sz="1100" spc="-50" dirty="0">
               <a:latin typeface="넥슨Lv1고딕 Light" panose="00000300000000000000" pitchFamily="2" charset="-127"/>
               <a:ea typeface="넥슨Lv1고딕 Light" panose="00000300000000000000" pitchFamily="2" charset="-127"/>
             </a:endParaRPr>
           </a:p>
-        </p:txBody>
-      </p:sp>
+          <a:p>
+            <a:endParaRPr lang="en-US" altLang="ko-KR" sz="1100" spc="-50" dirty="0">
+              <a:latin typeface="넥슨Lv1고딕 Light" panose="00000300000000000000" pitchFamily="2" charset="-127"/>
+              <a:ea typeface="넥슨Lv1고딕 Light" panose="00000300000000000000" pitchFamily="2" charset="-127"/>
+            </a:endParaRPr>
+          </a:p>
+          <a:p>
+            <a:r>
+              <a:rPr lang="en-US" altLang="ko-KR" sz="1100" spc="-50" dirty="0">
+                <a:latin typeface="넥슨Lv1고딕 Light" panose="00000300000000000000" pitchFamily="2" charset="-127"/>
+                <a:ea typeface="넥슨Lv1고딕 Light" panose="00000300000000000000" pitchFamily="2" charset="-127"/>
+              </a:rPr>
+              <a:t>actions </a:t>
+            </a:r>
+            <a:r>
+              <a:rPr lang="ko-KR" altLang="en-US" sz="1100" spc="-50" dirty="0">
+                <a:latin typeface="넥슨Lv1고딕 Light" panose="00000300000000000000" pitchFamily="2" charset="-127"/>
+                <a:ea typeface="넥슨Lv1고딕 Light" panose="00000300000000000000" pitchFamily="2" charset="-127"/>
+              </a:rPr>
+              <a:t>에서  </a:t>
+            </a:r>
+            <a:r>
+              <a:rPr lang="en-US" altLang="ko-KR" sz="1100" spc="-50" dirty="0">
+                <a:latin typeface="넥슨Lv1고딕 Light" panose="00000300000000000000" pitchFamily="2" charset="-127"/>
+                <a:ea typeface="넥슨Lv1고딕 Light" panose="00000300000000000000" pitchFamily="2" charset="-127"/>
+              </a:rPr>
+              <a:t>commit </a:t>
+            </a:r>
+            <a:r>
+              <a:rPr lang="ko-KR" altLang="en-US" sz="1100" spc="-50" dirty="0">
+                <a:latin typeface="넥슨Lv1고딕 Light" panose="00000300000000000000" pitchFamily="2" charset="-127"/>
+                <a:ea typeface="넥슨Lv1고딕 Light" panose="00000300000000000000" pitchFamily="2" charset="-127"/>
+              </a:rPr>
+              <a:t>을 이용하여 </a:t>
+            </a:r>
+            <a:r>
+              <a:rPr lang="en-US" altLang="ko-KR" sz="1100" spc="-50" dirty="0">
+                <a:latin typeface="넥슨Lv1고딕 Light" panose="00000300000000000000" pitchFamily="2" charset="-127"/>
+                <a:ea typeface="넥슨Lv1고딕 Light" panose="00000300000000000000" pitchFamily="2" charset="-127"/>
+              </a:rPr>
+              <a:t>mutations</a:t>
+            </a:r>
+            <a:r>
+              <a:rPr lang="ko-KR" altLang="en-US" sz="1100" spc="-50" dirty="0">
+                <a:latin typeface="넥슨Lv1고딕 Light" panose="00000300000000000000" pitchFamily="2" charset="-127"/>
+                <a:ea typeface="넥슨Lv1고딕 Light" panose="00000300000000000000" pitchFamily="2" charset="-127"/>
+              </a:rPr>
+              <a:t>의 함수를 호출</a:t>
+            </a:r>
+            <a:endParaRPr lang="en-US" altLang="ko-KR" sz="1100" spc="-50" dirty="0">
+              <a:latin typeface="넥슨Lv1고딕 Light" panose="00000300000000000000" pitchFamily="2" charset="-127"/>
+              <a:ea typeface="넥슨Lv1고딕 Light" panose="00000300000000000000" pitchFamily="2" charset="-127"/>
+            </a:endParaRPr>
+          </a:p>
+        </p:txBody>
+      </p:sp>
+      <p:pic>
+        <p:nvPicPr>
+          <p:cNvPr id="5" name="그림 4">
+            <a:extLst>
+              <a:ext uri="{FF2B5EF4-FFF2-40B4-BE49-F238E27FC236}">
+                <a16:creationId xmlns:a16="http://schemas.microsoft.com/office/drawing/2014/main" id="{BC38F199-B3AF-4ED8-85DF-B1167005F396}"/>
+              </a:ext>
+            </a:extLst>
+          </p:cNvPr>
+          <p:cNvPicPr>
+            <a:picLocks noChangeAspect="1"/>
+          </p:cNvPicPr>
+          <p:nvPr/>
+        </p:nvPicPr>
+        <p:blipFill>
+          <a:blip r:embed="rId3">
+            <a:extLst>
+              <a:ext uri="{28A0092B-C50C-407E-A947-70E740481C1C}">
+                <a14:useLocalDpi xmlns:a14="http://schemas.microsoft.com/office/drawing/2010/main" val="0"/>
+              </a:ext>
+            </a:extLst>
+          </a:blip>
+          <a:stretch>
+            <a:fillRect/>
+          </a:stretch>
+        </p:blipFill>
+        <p:spPr>
+          <a:xfrm>
+            <a:off x="979232" y="2871480"/>
+            <a:ext cx="3533775" cy="3219450"/>
+          </a:xfrm>
+          <a:prstGeom prst="rect">
+            <a:avLst/>
+          </a:prstGeom>
+        </p:spPr>
+      </p:pic>
+      <p:pic>
+        <p:nvPicPr>
+          <p:cNvPr id="12" name="그림 11">
+            <a:extLst>
+              <a:ext uri="{FF2B5EF4-FFF2-40B4-BE49-F238E27FC236}">
+                <a16:creationId xmlns:a16="http://schemas.microsoft.com/office/drawing/2014/main" id="{C045C076-98AF-4E63-A4AB-85AF409D989E}"/>
+              </a:ext>
+            </a:extLst>
+          </p:cNvPr>
+          <p:cNvPicPr>
+            <a:picLocks noChangeAspect="1"/>
+          </p:cNvPicPr>
+          <p:nvPr/>
+        </p:nvPicPr>
+        <p:blipFill>
+          <a:blip r:embed="rId4">
+            <a:extLst>
+              <a:ext uri="{28A0092B-C50C-407E-A947-70E740481C1C}">
+                <a14:useLocalDpi xmlns:a14="http://schemas.microsoft.com/office/drawing/2010/main" val="0"/>
+              </a:ext>
+            </a:extLst>
+          </a:blip>
+          <a:stretch>
+            <a:fillRect/>
+          </a:stretch>
+        </p:blipFill>
+        <p:spPr>
+          <a:xfrm>
+            <a:off x="4712600" y="2871480"/>
+            <a:ext cx="3629025" cy="2162175"/>
+          </a:xfrm>
+          <a:prstGeom prst="rect">
+            <a:avLst/>
+          </a:prstGeom>
+        </p:spPr>
+      </p:pic>
     </p:spTree>
     <p:extLst>
       <p:ext uri="{BB962C8B-B14F-4D97-AF65-F5344CB8AC3E}">
@@ -21127,7 +21590,7 @@
           <a:lstStyle/>
           <a:p>
             <a:r>
-              <a:rPr lang="ko-KR" altLang="en-US" sz="1200" spc="-50" dirty="0">
+              <a:rPr lang="en-US" altLang="ko-KR" sz="1200" spc="-50" dirty="0">
                 <a:solidFill>
                   <a:schemeClr val="accent1">
                     <a:lumMod val="50000"/>
@@ -21136,7 +21599,19 @@
                 <a:latin typeface="넥슨Lv1고딕 Bold" panose="00000800000000000000" pitchFamily="2" charset="-127"/>
                 <a:ea typeface="넥슨Lv1고딕 Bold" panose="00000800000000000000" pitchFamily="2" charset="-127"/>
               </a:rPr>
-              <a:t>도원님이 생각하는 캡쳐에 대한 제목</a:t>
+              <a:t>./store/index.js </a:t>
+            </a:r>
+            <a:r>
+              <a:rPr lang="ko-KR" altLang="en-US" sz="1200" spc="-50" dirty="0">
+                <a:solidFill>
+                  <a:schemeClr val="accent1">
+                    <a:lumMod val="50000"/>
+                  </a:schemeClr>
+                </a:solidFill>
+                <a:latin typeface="넥슨Lv1고딕 Bold" panose="00000800000000000000" pitchFamily="2" charset="-127"/>
+                <a:ea typeface="넥슨Lv1고딕 Bold" panose="00000800000000000000" pitchFamily="2" charset="-127"/>
+              </a:rPr>
+              <a:t>파일</a:t>
             </a:r>
           </a:p>
         </p:txBody>
@@ -21435,19 +21910,100 @@
           <a:lstStyle/>
           <a:p>
             <a:r>
+              <a:rPr lang="en-US" altLang="ko-KR" sz="1100" spc="-50" dirty="0" err="1">
+                <a:latin typeface="넥슨Lv1고딕 Light" panose="00000300000000000000" pitchFamily="2" charset="-127"/>
+                <a:ea typeface="넥슨Lv1고딕 Light" panose="00000300000000000000" pitchFamily="2" charset="-127"/>
+              </a:rPr>
+              <a:t>MonsterView.vue</a:t>
+            </a:r>
+            <a:r>
+              <a:rPr lang="en-US" altLang="ko-KR" sz="1100" spc="-50" dirty="0">
+                <a:latin typeface="넥슨Lv1고딕 Light" panose="00000300000000000000" pitchFamily="2" charset="-127"/>
+                <a:ea typeface="넥슨Lv1고딕 Light" panose="00000300000000000000" pitchFamily="2" charset="-127"/>
+              </a:rPr>
+              <a:t> </a:t>
+            </a:r>
+            <a:r>
               <a:rPr lang="ko-KR" altLang="en-US" sz="1100" spc="-50" dirty="0">
                 <a:latin typeface="넥슨Lv1고딕 Light" panose="00000300000000000000" pitchFamily="2" charset="-127"/>
                 <a:ea typeface="넥슨Lv1고딕 Light" panose="00000300000000000000" pitchFamily="2" charset="-127"/>
               </a:rPr>
-              <a:t>도원님이 생각하는 캡쳐에 대한 설명</a:t>
-            </a:r>
-            <a:endParaRPr lang="en-US" altLang="ko-KR" sz="1100" spc="-50" dirty="0">
-              <a:latin typeface="넥슨Lv1고딕 Light" panose="00000300000000000000" pitchFamily="2" charset="-127"/>
-              <a:ea typeface="넥슨Lv1고딕 Light" panose="00000300000000000000" pitchFamily="2" charset="-127"/>
-            </a:endParaRPr>
-          </a:p>
-        </p:txBody>
-      </p:sp>
+              <a:t>파일의 </a:t>
+            </a:r>
+            <a:r>
+              <a:rPr lang="en-US" altLang="ko-KR" sz="1100" spc="-50" dirty="0">
+                <a:latin typeface="넥슨Lv1고딕 Light" panose="00000300000000000000" pitchFamily="2" charset="-127"/>
+                <a:ea typeface="넥슨Lv1고딕 Light" panose="00000300000000000000" pitchFamily="2" charset="-127"/>
+              </a:rPr>
+              <a:t>computed </a:t>
+            </a:r>
+            <a:r>
+              <a:rPr lang="ko-KR" altLang="en-US" sz="1100" spc="-50" dirty="0">
+                <a:latin typeface="넥슨Lv1고딕 Light" panose="00000300000000000000" pitchFamily="2" charset="-127"/>
+                <a:ea typeface="넥슨Lv1고딕 Light" panose="00000300000000000000" pitchFamily="2" charset="-127"/>
+              </a:rPr>
+              <a:t>에 정의 되어있던 내용을 </a:t>
+            </a:r>
+            <a:r>
+              <a:rPr lang="en-US" altLang="ko-KR" sz="1100" spc="-50" dirty="0">
+                <a:latin typeface="넥슨Lv1고딕 Light" panose="00000300000000000000" pitchFamily="2" charset="-127"/>
+                <a:ea typeface="넥슨Lv1고딕 Light" panose="00000300000000000000" pitchFamily="2" charset="-127"/>
+              </a:rPr>
+              <a:t>getters</a:t>
+            </a:r>
+            <a:r>
+              <a:rPr lang="ko-KR" altLang="en-US" sz="1100" spc="-50" dirty="0">
+                <a:latin typeface="넥슨Lv1고딕 Light" panose="00000300000000000000" pitchFamily="2" charset="-127"/>
+                <a:ea typeface="넥슨Lv1고딕 Light" panose="00000300000000000000" pitchFamily="2" charset="-127"/>
+              </a:rPr>
+              <a:t>로 이동</a:t>
+            </a:r>
+            <a:r>
+              <a:rPr lang="en-US" altLang="ko-KR" sz="1100" spc="-50" dirty="0">
+                <a:latin typeface="넥슨Lv1고딕 Light" panose="00000300000000000000" pitchFamily="2" charset="-127"/>
+                <a:ea typeface="넥슨Lv1고딕 Light" panose="00000300000000000000" pitchFamily="2" charset="-127"/>
+              </a:rPr>
+              <a:t> </a:t>
+            </a:r>
+          </a:p>
+        </p:txBody>
+      </p:sp>
+      <p:pic>
+        <p:nvPicPr>
+          <p:cNvPr id="7" name="그림 6">
+            <a:extLst>
+              <a:ext uri="{FF2B5EF4-FFF2-40B4-BE49-F238E27FC236}">
+                <a16:creationId xmlns:a16="http://schemas.microsoft.com/office/drawing/2014/main" id="{B61AA6D8-403A-4103-A3F2-29E345D65703}"/>
+              </a:ext>
+            </a:extLst>
+          </p:cNvPr>
+          <p:cNvPicPr>
+            <a:picLocks noChangeAspect="1"/>
+          </p:cNvPicPr>
+          <p:nvPr/>
+        </p:nvPicPr>
+        <p:blipFill>
+          <a:blip r:embed="rId3">
+            <a:extLst>
+              <a:ext uri="{28A0092B-C50C-407E-A947-70E740481C1C}">
+                <a14:useLocalDpi xmlns:a14="http://schemas.microsoft.com/office/drawing/2010/main" val="0"/>
+              </a:ext>
+            </a:extLst>
+          </a:blip>
+          <a:stretch>
+            <a:fillRect/>
+          </a:stretch>
+        </p:blipFill>
+        <p:spPr>
+          <a:xfrm>
+            <a:off x="1415846" y="2500619"/>
+            <a:ext cx="5076825" cy="2181225"/>
+          </a:xfrm>
+          <a:prstGeom prst="rect">
+            <a:avLst/>
+          </a:prstGeom>
+        </p:spPr>
+      </p:pic>
     </p:spTree>
     <p:extLst>
       <p:ext uri="{BB962C8B-B14F-4D97-AF65-F5344CB8AC3E}">
@@ -21528,7 +22084,7 @@
           <a:lstStyle/>
           <a:p>
             <a:r>
-              <a:rPr lang="ko-KR" altLang="en-US" sz="1200" spc="-50" dirty="0">
+              <a:rPr lang="en-US" altLang="ko-KR" sz="1200" spc="-50" dirty="0" err="1">
                 <a:solidFill>
                   <a:schemeClr val="accent1">
                     <a:lumMod val="50000"/>
@@ -21537,7 +22093,31 @@
                 <a:latin typeface="넥슨Lv1고딕 Bold" panose="00000800000000000000" pitchFamily="2" charset="-127"/>
                 <a:ea typeface="넥슨Lv1고딕 Bold" panose="00000800000000000000" pitchFamily="2" charset="-127"/>
               </a:rPr>
-              <a:t>도원님이 생각하는 캡쳐에 대한 제목</a:t>
+              <a:t>MonsterView.vue</a:t>
+            </a:r>
+            <a:r>
+              <a:rPr lang="en-US" altLang="ko-KR" sz="1200" spc="-50" dirty="0">
+                <a:solidFill>
+                  <a:schemeClr val="accent1">
+                    <a:lumMod val="50000"/>
+                  </a:schemeClr>
+                </a:solidFill>
+                <a:latin typeface="넥슨Lv1고딕 Bold" panose="00000800000000000000" pitchFamily="2" charset="-127"/>
+                <a:ea typeface="넥슨Lv1고딕 Bold" panose="00000800000000000000" pitchFamily="2" charset="-127"/>
+              </a:rPr>
+              <a:t> </a:t>
+            </a:r>
+            <a:r>
+              <a:rPr lang="ko-KR" altLang="en-US" sz="1200" spc="-50" dirty="0">
+                <a:solidFill>
+                  <a:schemeClr val="accent1">
+                    <a:lumMod val="50000"/>
+                  </a:schemeClr>
+                </a:solidFill>
+                <a:latin typeface="넥슨Lv1고딕 Bold" panose="00000800000000000000" pitchFamily="2" charset="-127"/>
+                <a:ea typeface="넥슨Lv1고딕 Bold" panose="00000800000000000000" pitchFamily="2" charset="-127"/>
+              </a:rPr>
+              <a:t>파일</a:t>
             </a:r>
           </a:p>
         </p:txBody>
@@ -21836,16 +22416,683 @@
           <a:lstStyle/>
           <a:p>
             <a:r>
+              <a:rPr lang="en-US" altLang="ko-KR" sz="1100" spc="-50" dirty="0" err="1">
+                <a:latin typeface="넥슨Lv1고딕 Light" panose="00000300000000000000" pitchFamily="2" charset="-127"/>
+                <a:ea typeface="넥슨Lv1고딕 Light" panose="00000300000000000000" pitchFamily="2" charset="-127"/>
+              </a:rPr>
+              <a:t>templete</a:t>
+            </a:r>
+            <a:r>
               <a:rPr lang="ko-KR" altLang="en-US" sz="1100" spc="-50" dirty="0">
                 <a:latin typeface="넥슨Lv1고딕 Light" panose="00000300000000000000" pitchFamily="2" charset="-127"/>
                 <a:ea typeface="넥슨Lv1고딕 Light" panose="00000300000000000000" pitchFamily="2" charset="-127"/>
               </a:rPr>
-              <a:t>도원님이 생각하는 캡쳐에 대한 설명</a:t>
+              <a:t> 안의 마크업 수정</a:t>
             </a:r>
             <a:endParaRPr lang="en-US" altLang="ko-KR" sz="1100" spc="-50" dirty="0">
               <a:latin typeface="넥슨Lv1고딕 Light" panose="00000300000000000000" pitchFamily="2" charset="-127"/>
               <a:ea typeface="넥슨Lv1고딕 Light" panose="00000300000000000000" pitchFamily="2" charset="-127"/>
             </a:endParaRPr>
+          </a:p>
+        </p:txBody>
+      </p:sp>
+      <p:pic>
+        <p:nvPicPr>
+          <p:cNvPr id="5" name="그림 4">
+            <a:extLst>
+              <a:ext uri="{FF2B5EF4-FFF2-40B4-BE49-F238E27FC236}">
+                <a16:creationId xmlns:a16="http://schemas.microsoft.com/office/drawing/2014/main" id="{B81530BB-F9F5-460D-8110-9A2C78A01AB0}"/>
+              </a:ext>
+            </a:extLst>
+          </p:cNvPr>
+          <p:cNvPicPr>
+            <a:picLocks noChangeAspect="1"/>
+          </p:cNvPicPr>
+          <p:nvPr/>
+        </p:nvPicPr>
+        <p:blipFill>
+          <a:blip r:embed="rId3">
+            <a:extLst>
+              <a:ext uri="{28A0092B-C50C-407E-A947-70E740481C1C}">
+                <a14:useLocalDpi xmlns:a14="http://schemas.microsoft.com/office/drawing/2010/main" val="0"/>
+              </a:ext>
+            </a:extLst>
+          </a:blip>
+          <a:stretch>
+            <a:fillRect/>
+          </a:stretch>
+        </p:blipFill>
+        <p:spPr>
+          <a:xfrm>
+            <a:off x="1415846" y="2358241"/>
+            <a:ext cx="5374591" cy="3989833"/>
+          </a:xfrm>
+          <a:prstGeom prst="rect">
+            <a:avLst/>
+          </a:prstGeom>
+        </p:spPr>
+      </p:pic>
+      <p:sp>
+        <p:nvSpPr>
+          <p:cNvPr id="6" name="직사각형 5">
+            <a:extLst>
+              <a:ext uri="{FF2B5EF4-FFF2-40B4-BE49-F238E27FC236}">
+                <a16:creationId xmlns:a16="http://schemas.microsoft.com/office/drawing/2014/main" id="{00E4FF74-6D6E-4A27-BB61-0DDAD038583A}"/>
+              </a:ext>
+            </a:extLst>
+          </p:cNvPr>
+          <p:cNvSpPr/>
+          <p:nvPr/>
+        </p:nvSpPr>
+        <p:spPr>
+          <a:xfrm>
+            <a:off x="3111910" y="2529348"/>
+            <a:ext cx="877529" cy="176981"/>
+          </a:xfrm>
+          <a:prstGeom prst="rect">
+            <a:avLst/>
+          </a:prstGeom>
+          <a:noFill/>
+          <a:ln w="19050">
+            <a:solidFill>
+              <a:srgbClr val="FF0000"/>
+            </a:solidFill>
+          </a:ln>
+        </p:spPr>
+        <p:style>
+          <a:lnRef idx="2">
+            <a:schemeClr val="accent1">
+              <a:shade val="50000"/>
+            </a:schemeClr>
+          </a:lnRef>
+          <a:fillRef idx="1">
+            <a:schemeClr val="accent1"/>
+          </a:fillRef>
+          <a:effectRef idx="0">
+            <a:schemeClr val="accent1"/>
+          </a:effectRef>
+          <a:fontRef idx="minor">
+            <a:schemeClr val="lt1"/>
+          </a:fontRef>
+        </p:style>
+        <p:txBody>
+          <a:bodyPr rtlCol="0" anchor="ctr"/>
+          <a:lstStyle/>
+          <a:p>
+            <a:pPr algn="ctr"/>
+            <a:endParaRPr lang="ko-KR" altLang="en-US"/>
+          </a:p>
+        </p:txBody>
+      </p:sp>
+      <p:sp>
+        <p:nvSpPr>
+          <p:cNvPr id="12" name="직사각형 11">
+            <a:extLst>
+              <a:ext uri="{FF2B5EF4-FFF2-40B4-BE49-F238E27FC236}">
+                <a16:creationId xmlns:a16="http://schemas.microsoft.com/office/drawing/2014/main" id="{3E44CD49-1FD4-4C89-81C5-FE464932DDF1}"/>
+              </a:ext>
+            </a:extLst>
+          </p:cNvPr>
+          <p:cNvSpPr/>
+          <p:nvPr/>
+        </p:nvSpPr>
+        <p:spPr>
+          <a:xfrm>
+            <a:off x="1678859" y="2671327"/>
+            <a:ext cx="877529" cy="176981"/>
+          </a:xfrm>
+          <a:prstGeom prst="rect">
+            <a:avLst/>
+          </a:prstGeom>
+          <a:noFill/>
+          <a:ln w="19050">
+            <a:solidFill>
+              <a:srgbClr val="FF0000"/>
+            </a:solidFill>
+          </a:ln>
+        </p:spPr>
+        <p:style>
+          <a:lnRef idx="2">
+            <a:schemeClr val="accent1">
+              <a:shade val="50000"/>
+            </a:schemeClr>
+          </a:lnRef>
+          <a:fillRef idx="1">
+            <a:schemeClr val="accent1"/>
+          </a:fillRef>
+          <a:effectRef idx="0">
+            <a:schemeClr val="accent1"/>
+          </a:effectRef>
+          <a:fontRef idx="minor">
+            <a:schemeClr val="lt1"/>
+          </a:fontRef>
+        </p:style>
+        <p:txBody>
+          <a:bodyPr rtlCol="0" anchor="ctr"/>
+          <a:lstStyle/>
+          <a:p>
+            <a:pPr algn="ctr"/>
+            <a:endParaRPr lang="ko-KR" altLang="en-US"/>
+          </a:p>
+        </p:txBody>
+      </p:sp>
+      <p:sp>
+        <p:nvSpPr>
+          <p:cNvPr id="14" name="직사각형 13">
+            <a:extLst>
+              <a:ext uri="{FF2B5EF4-FFF2-40B4-BE49-F238E27FC236}">
+                <a16:creationId xmlns:a16="http://schemas.microsoft.com/office/drawing/2014/main" id="{38A596B1-E155-4B73-A7CF-F645AD8380AA}"/>
+              </a:ext>
+            </a:extLst>
+          </p:cNvPr>
+          <p:cNvSpPr/>
+          <p:nvPr/>
+        </p:nvSpPr>
+        <p:spPr>
+          <a:xfrm>
+            <a:off x="2234381" y="3073666"/>
+            <a:ext cx="877529" cy="176981"/>
+          </a:xfrm>
+          <a:prstGeom prst="rect">
+            <a:avLst/>
+          </a:prstGeom>
+          <a:noFill/>
+          <a:ln w="19050">
+            <a:solidFill>
+              <a:srgbClr val="FF0000"/>
+            </a:solidFill>
+          </a:ln>
+        </p:spPr>
+        <p:style>
+          <a:lnRef idx="2">
+            <a:schemeClr val="accent1">
+              <a:shade val="50000"/>
+            </a:schemeClr>
+          </a:lnRef>
+          <a:fillRef idx="1">
+            <a:schemeClr val="accent1"/>
+          </a:fillRef>
+          <a:effectRef idx="0">
+            <a:schemeClr val="accent1"/>
+          </a:effectRef>
+          <a:fontRef idx="minor">
+            <a:schemeClr val="lt1"/>
+          </a:fontRef>
+        </p:style>
+        <p:txBody>
+          <a:bodyPr rtlCol="0" anchor="ctr"/>
+          <a:lstStyle/>
+          <a:p>
+            <a:pPr algn="ctr"/>
+            <a:endParaRPr lang="ko-KR" altLang="en-US"/>
+          </a:p>
+        </p:txBody>
+      </p:sp>
+      <p:sp>
+        <p:nvSpPr>
+          <p:cNvPr id="15" name="직사각형 14">
+            <a:extLst>
+              <a:ext uri="{FF2B5EF4-FFF2-40B4-BE49-F238E27FC236}">
+                <a16:creationId xmlns:a16="http://schemas.microsoft.com/office/drawing/2014/main" id="{88DBE182-B937-434C-8911-7C8D05FFAAB9}"/>
+              </a:ext>
+            </a:extLst>
+          </p:cNvPr>
+          <p:cNvSpPr/>
+          <p:nvPr/>
+        </p:nvSpPr>
+        <p:spPr>
+          <a:xfrm>
+            <a:off x="1920979" y="3244353"/>
+            <a:ext cx="877529" cy="176981"/>
+          </a:xfrm>
+          <a:prstGeom prst="rect">
+            <a:avLst/>
+          </a:prstGeom>
+          <a:noFill/>
+          <a:ln w="19050">
+            <a:solidFill>
+              <a:srgbClr val="FF0000"/>
+            </a:solidFill>
+          </a:ln>
+        </p:spPr>
+        <p:style>
+          <a:lnRef idx="2">
+            <a:schemeClr val="accent1">
+              <a:shade val="50000"/>
+            </a:schemeClr>
+          </a:lnRef>
+          <a:fillRef idx="1">
+            <a:schemeClr val="accent1"/>
+          </a:fillRef>
+          <a:effectRef idx="0">
+            <a:schemeClr val="accent1"/>
+          </a:effectRef>
+          <a:fontRef idx="minor">
+            <a:schemeClr val="lt1"/>
+          </a:fontRef>
+        </p:style>
+        <p:txBody>
+          <a:bodyPr rtlCol="0" anchor="ctr"/>
+          <a:lstStyle/>
+          <a:p>
+            <a:pPr algn="ctr"/>
+            <a:endParaRPr lang="ko-KR" altLang="en-US"/>
+          </a:p>
+        </p:txBody>
+      </p:sp>
+      <p:sp>
+        <p:nvSpPr>
+          <p:cNvPr id="16" name="직사각형 15">
+            <a:extLst>
+              <a:ext uri="{FF2B5EF4-FFF2-40B4-BE49-F238E27FC236}">
+                <a16:creationId xmlns:a16="http://schemas.microsoft.com/office/drawing/2014/main" id="{4C329BDD-F05E-4FA8-B4A4-FEAC31FDC383}"/>
+              </a:ext>
+            </a:extLst>
+          </p:cNvPr>
+          <p:cNvSpPr/>
+          <p:nvPr/>
+        </p:nvSpPr>
+        <p:spPr>
+          <a:xfrm>
+            <a:off x="2326559" y="3640398"/>
+            <a:ext cx="877529" cy="176981"/>
+          </a:xfrm>
+          <a:prstGeom prst="rect">
+            <a:avLst/>
+          </a:prstGeom>
+          <a:noFill/>
+          <a:ln w="19050">
+            <a:solidFill>
+              <a:srgbClr val="FF0000"/>
+            </a:solidFill>
+          </a:ln>
+        </p:spPr>
+        <p:style>
+          <a:lnRef idx="2">
+            <a:schemeClr val="accent1">
+              <a:shade val="50000"/>
+            </a:schemeClr>
+          </a:lnRef>
+          <a:fillRef idx="1">
+            <a:schemeClr val="accent1"/>
+          </a:fillRef>
+          <a:effectRef idx="0">
+            <a:schemeClr val="accent1"/>
+          </a:effectRef>
+          <a:fontRef idx="minor">
+            <a:schemeClr val="lt1"/>
+          </a:fontRef>
+        </p:style>
+        <p:txBody>
+          <a:bodyPr rtlCol="0" anchor="ctr"/>
+          <a:lstStyle/>
+          <a:p>
+            <a:pPr algn="ctr"/>
+            <a:endParaRPr lang="ko-KR" altLang="en-US"/>
+          </a:p>
+        </p:txBody>
+      </p:sp>
+      <p:sp>
+        <p:nvSpPr>
+          <p:cNvPr id="17" name="직사각형 16">
+            <a:extLst>
+              <a:ext uri="{FF2B5EF4-FFF2-40B4-BE49-F238E27FC236}">
+                <a16:creationId xmlns:a16="http://schemas.microsoft.com/office/drawing/2014/main" id="{3075A697-01AB-4ACD-8FDA-E3BB3FD8FB31}"/>
+              </a:ext>
+            </a:extLst>
+          </p:cNvPr>
+          <p:cNvSpPr/>
+          <p:nvPr/>
+        </p:nvSpPr>
+        <p:spPr>
+          <a:xfrm>
+            <a:off x="2322872" y="3936674"/>
+            <a:ext cx="877529" cy="176981"/>
+          </a:xfrm>
+          <a:prstGeom prst="rect">
+            <a:avLst/>
+          </a:prstGeom>
+          <a:noFill/>
+          <a:ln w="19050">
+            <a:solidFill>
+              <a:srgbClr val="FF0000"/>
+            </a:solidFill>
+          </a:ln>
+        </p:spPr>
+        <p:style>
+          <a:lnRef idx="2">
+            <a:schemeClr val="accent1">
+              <a:shade val="50000"/>
+            </a:schemeClr>
+          </a:lnRef>
+          <a:fillRef idx="1">
+            <a:schemeClr val="accent1"/>
+          </a:fillRef>
+          <a:effectRef idx="0">
+            <a:schemeClr val="accent1"/>
+          </a:effectRef>
+          <a:fontRef idx="minor">
+            <a:schemeClr val="lt1"/>
+          </a:fontRef>
+        </p:style>
+        <p:txBody>
+          <a:bodyPr rtlCol="0" anchor="ctr"/>
+          <a:lstStyle/>
+          <a:p>
+            <a:pPr algn="ctr"/>
+            <a:endParaRPr lang="ko-KR" altLang="en-US"/>
+          </a:p>
+        </p:txBody>
+      </p:sp>
+      <p:sp>
+        <p:nvSpPr>
+          <p:cNvPr id="18" name="직사각형 17">
+            <a:extLst>
+              <a:ext uri="{FF2B5EF4-FFF2-40B4-BE49-F238E27FC236}">
+                <a16:creationId xmlns:a16="http://schemas.microsoft.com/office/drawing/2014/main" id="{6339E1B9-308E-40F5-843F-5DC5C5D7C3A3}"/>
+              </a:ext>
+            </a:extLst>
+          </p:cNvPr>
+          <p:cNvSpPr/>
+          <p:nvPr/>
+        </p:nvSpPr>
+        <p:spPr>
+          <a:xfrm>
+            <a:off x="2322871" y="4209513"/>
+            <a:ext cx="877529" cy="176981"/>
+          </a:xfrm>
+          <a:prstGeom prst="rect">
+            <a:avLst/>
+          </a:prstGeom>
+          <a:noFill/>
+          <a:ln w="19050">
+            <a:solidFill>
+              <a:srgbClr val="FF0000"/>
+            </a:solidFill>
+          </a:ln>
+        </p:spPr>
+        <p:style>
+          <a:lnRef idx="2">
+            <a:schemeClr val="accent1">
+              <a:shade val="50000"/>
+            </a:schemeClr>
+          </a:lnRef>
+          <a:fillRef idx="1">
+            <a:schemeClr val="accent1"/>
+          </a:fillRef>
+          <a:effectRef idx="0">
+            <a:schemeClr val="accent1"/>
+          </a:effectRef>
+          <a:fontRef idx="minor">
+            <a:schemeClr val="lt1"/>
+          </a:fontRef>
+        </p:style>
+        <p:txBody>
+          <a:bodyPr rtlCol="0" anchor="ctr"/>
+          <a:lstStyle/>
+          <a:p>
+            <a:pPr algn="ctr"/>
+            <a:endParaRPr lang="ko-KR" altLang="en-US"/>
+          </a:p>
+        </p:txBody>
+      </p:sp>
+      <p:sp>
+        <p:nvSpPr>
+          <p:cNvPr id="19" name="직사각형 18">
+            <a:extLst>
+              <a:ext uri="{FF2B5EF4-FFF2-40B4-BE49-F238E27FC236}">
+                <a16:creationId xmlns:a16="http://schemas.microsoft.com/office/drawing/2014/main" id="{77515DDC-F0A4-4693-B909-9F8D938ED4E6}"/>
+              </a:ext>
+            </a:extLst>
+          </p:cNvPr>
+          <p:cNvSpPr/>
+          <p:nvPr/>
+        </p:nvSpPr>
+        <p:spPr>
+          <a:xfrm>
+            <a:off x="2191364" y="4626606"/>
+            <a:ext cx="877529" cy="176981"/>
+          </a:xfrm>
+          <a:prstGeom prst="rect">
+            <a:avLst/>
+          </a:prstGeom>
+          <a:noFill/>
+          <a:ln w="19050">
+            <a:solidFill>
+              <a:srgbClr val="FF0000"/>
+            </a:solidFill>
+          </a:ln>
+        </p:spPr>
+        <p:style>
+          <a:lnRef idx="2">
+            <a:schemeClr val="accent1">
+              <a:shade val="50000"/>
+            </a:schemeClr>
+          </a:lnRef>
+          <a:fillRef idx="1">
+            <a:schemeClr val="accent1"/>
+          </a:fillRef>
+          <a:effectRef idx="0">
+            <a:schemeClr val="accent1"/>
+          </a:effectRef>
+          <a:fontRef idx="minor">
+            <a:schemeClr val="lt1"/>
+          </a:fontRef>
+        </p:style>
+        <p:txBody>
+          <a:bodyPr rtlCol="0" anchor="ctr"/>
+          <a:lstStyle/>
+          <a:p>
+            <a:pPr algn="ctr"/>
+            <a:endParaRPr lang="ko-KR" altLang="en-US"/>
+          </a:p>
+        </p:txBody>
+      </p:sp>
+      <p:sp>
+        <p:nvSpPr>
+          <p:cNvPr id="20" name="직사각형 19">
+            <a:extLst>
+              <a:ext uri="{FF2B5EF4-FFF2-40B4-BE49-F238E27FC236}">
+                <a16:creationId xmlns:a16="http://schemas.microsoft.com/office/drawing/2014/main" id="{21307922-7865-4B71-AC4B-C25F41727EA5}"/>
+              </a:ext>
+            </a:extLst>
+          </p:cNvPr>
+          <p:cNvSpPr/>
+          <p:nvPr/>
+        </p:nvSpPr>
+        <p:spPr>
+          <a:xfrm>
+            <a:off x="2346223" y="5173350"/>
+            <a:ext cx="877529" cy="176981"/>
+          </a:xfrm>
+          <a:prstGeom prst="rect">
+            <a:avLst/>
+          </a:prstGeom>
+          <a:noFill/>
+          <a:ln w="19050">
+            <a:solidFill>
+              <a:srgbClr val="FF0000"/>
+            </a:solidFill>
+          </a:ln>
+        </p:spPr>
+        <p:style>
+          <a:lnRef idx="2">
+            <a:schemeClr val="accent1">
+              <a:shade val="50000"/>
+            </a:schemeClr>
+          </a:lnRef>
+          <a:fillRef idx="1">
+            <a:schemeClr val="accent1"/>
+          </a:fillRef>
+          <a:effectRef idx="0">
+            <a:schemeClr val="accent1"/>
+          </a:effectRef>
+          <a:fontRef idx="minor">
+            <a:schemeClr val="lt1"/>
+          </a:fontRef>
+        </p:style>
+        <p:txBody>
+          <a:bodyPr rtlCol="0" anchor="ctr"/>
+          <a:lstStyle/>
+          <a:p>
+            <a:pPr algn="ctr"/>
+            <a:endParaRPr lang="ko-KR" altLang="en-US"/>
+          </a:p>
+        </p:txBody>
+      </p:sp>
+      <p:sp>
+        <p:nvSpPr>
+          <p:cNvPr id="21" name="직사각형 20">
+            <a:extLst>
+              <a:ext uri="{FF2B5EF4-FFF2-40B4-BE49-F238E27FC236}">
+                <a16:creationId xmlns:a16="http://schemas.microsoft.com/office/drawing/2014/main" id="{65CF3F0D-A56C-4ADD-8FCE-2993EB8A3736}"/>
+              </a:ext>
+            </a:extLst>
+          </p:cNvPr>
+          <p:cNvSpPr/>
+          <p:nvPr/>
+        </p:nvSpPr>
+        <p:spPr>
+          <a:xfrm>
+            <a:off x="4133235" y="5597013"/>
+            <a:ext cx="877529" cy="176981"/>
+          </a:xfrm>
+          <a:prstGeom prst="rect">
+            <a:avLst/>
+          </a:prstGeom>
+          <a:noFill/>
+          <a:ln w="19050">
+            <a:solidFill>
+              <a:srgbClr val="FF0000"/>
+            </a:solidFill>
+          </a:ln>
+        </p:spPr>
+        <p:style>
+          <a:lnRef idx="2">
+            <a:schemeClr val="accent1">
+              <a:shade val="50000"/>
+            </a:schemeClr>
+          </a:lnRef>
+          <a:fillRef idx="1">
+            <a:schemeClr val="accent1"/>
+          </a:fillRef>
+          <a:effectRef idx="0">
+            <a:schemeClr val="accent1"/>
+          </a:effectRef>
+          <a:fontRef idx="minor">
+            <a:schemeClr val="lt1"/>
+          </a:fontRef>
+        </p:style>
+        <p:txBody>
+          <a:bodyPr rtlCol="0" anchor="ctr"/>
+          <a:lstStyle/>
+          <a:p>
+            <a:pPr algn="ctr"/>
+            <a:endParaRPr lang="ko-KR" altLang="en-US"/>
+          </a:p>
+        </p:txBody>
+      </p:sp>
+      <p:sp>
+        <p:nvSpPr>
+          <p:cNvPr id="22" name="직사각형 21">
+            <a:extLst>
+              <a:ext uri="{FF2B5EF4-FFF2-40B4-BE49-F238E27FC236}">
+                <a16:creationId xmlns:a16="http://schemas.microsoft.com/office/drawing/2014/main" id="{0695D13B-BDBA-4EF4-A5E5-E59951B247C4}"/>
+              </a:ext>
+            </a:extLst>
+          </p:cNvPr>
+          <p:cNvSpPr/>
+          <p:nvPr/>
+        </p:nvSpPr>
+        <p:spPr>
+          <a:xfrm>
+            <a:off x="2973029" y="5735091"/>
+            <a:ext cx="877529" cy="176981"/>
+          </a:xfrm>
+          <a:prstGeom prst="rect">
+            <a:avLst/>
+          </a:prstGeom>
+          <a:noFill/>
+          <a:ln w="19050">
+            <a:solidFill>
+              <a:srgbClr val="FF0000"/>
+            </a:solidFill>
+          </a:ln>
+        </p:spPr>
+        <p:style>
+          <a:lnRef idx="2">
+            <a:schemeClr val="accent1">
+              <a:shade val="50000"/>
+            </a:schemeClr>
+          </a:lnRef>
+          <a:fillRef idx="1">
+            <a:schemeClr val="accent1"/>
+          </a:fillRef>
+          <a:effectRef idx="0">
+            <a:schemeClr val="accent1"/>
+          </a:effectRef>
+          <a:fontRef idx="minor">
+            <a:schemeClr val="lt1"/>
+          </a:fontRef>
+        </p:style>
+        <p:txBody>
+          <a:bodyPr rtlCol="0" anchor="ctr"/>
+          <a:lstStyle/>
+          <a:p>
+            <a:pPr algn="ctr"/>
+            <a:endParaRPr lang="ko-KR" altLang="en-US"/>
+          </a:p>
+        </p:txBody>
+      </p:sp>
+      <p:sp>
+        <p:nvSpPr>
+          <p:cNvPr id="23" name="직사각형 22">
+            <a:extLst>
+              <a:ext uri="{FF2B5EF4-FFF2-40B4-BE49-F238E27FC236}">
+                <a16:creationId xmlns:a16="http://schemas.microsoft.com/office/drawing/2014/main" id="{EE3372D1-6836-4F10-998D-04D48035CC82}"/>
+              </a:ext>
+            </a:extLst>
+          </p:cNvPr>
+          <p:cNvSpPr/>
+          <p:nvPr/>
+        </p:nvSpPr>
+        <p:spPr>
+          <a:xfrm>
+            <a:off x="2095500" y="5880981"/>
+            <a:ext cx="877529" cy="176981"/>
+          </a:xfrm>
+          <a:prstGeom prst="rect">
+            <a:avLst/>
+          </a:prstGeom>
+          <a:noFill/>
+          <a:ln w="19050">
+            <a:solidFill>
+              <a:srgbClr val="FF0000"/>
+            </a:solidFill>
+          </a:ln>
+        </p:spPr>
+        <p:style>
+          <a:lnRef idx="2">
+            <a:schemeClr val="accent1">
+              <a:shade val="50000"/>
+            </a:schemeClr>
+          </a:lnRef>
+          <a:fillRef idx="1">
+            <a:schemeClr val="accent1"/>
+          </a:fillRef>
+          <a:effectRef idx="0">
+            <a:schemeClr val="accent1"/>
+          </a:effectRef>
+          <a:fontRef idx="minor">
+            <a:schemeClr val="lt1"/>
+          </a:fontRef>
+        </p:style>
+        <p:txBody>
+          <a:bodyPr rtlCol="0" anchor="ctr"/>
+          <a:lstStyle/>
+          <a:p>
+            <a:pPr algn="ctr"/>
+            <a:endParaRPr lang="ko-KR" altLang="en-US"/>
           </a:p>
         </p:txBody>
       </p:sp>
@@ -21929,7 +23176,7 @@
           <a:lstStyle/>
           <a:p>
             <a:r>
-              <a:rPr lang="ko-KR" altLang="en-US" sz="1200" spc="-50" dirty="0">
+              <a:rPr lang="en-US" altLang="ko-KR" sz="1200" spc="-50" dirty="0" err="1">
                 <a:solidFill>
                   <a:schemeClr val="accent1">
                     <a:lumMod val="50000"/>
@@ -21938,7 +23185,31 @@
                 <a:latin typeface="넥슨Lv1고딕 Bold" panose="00000800000000000000" pitchFamily="2" charset="-127"/>
                 <a:ea typeface="넥슨Lv1고딕 Bold" panose="00000800000000000000" pitchFamily="2" charset="-127"/>
               </a:rPr>
-              <a:t>도원님이 생각하는 캡쳐에 대한 제목</a:t>
+              <a:t>MonsterView.vue</a:t>
+            </a:r>
+            <a:r>
+              <a:rPr lang="en-US" altLang="ko-KR" sz="1200" spc="-50" dirty="0">
+                <a:solidFill>
+                  <a:schemeClr val="accent1">
+                    <a:lumMod val="50000"/>
+                  </a:schemeClr>
+                </a:solidFill>
+                <a:latin typeface="넥슨Lv1고딕 Bold" panose="00000800000000000000" pitchFamily="2" charset="-127"/>
+                <a:ea typeface="넥슨Lv1고딕 Bold" panose="00000800000000000000" pitchFamily="2" charset="-127"/>
+              </a:rPr>
+              <a:t> </a:t>
+            </a:r>
+            <a:r>
+              <a:rPr lang="ko-KR" altLang="en-US" sz="1200" spc="-50" dirty="0">
+                <a:solidFill>
+                  <a:schemeClr val="accent1">
+                    <a:lumMod val="50000"/>
+                  </a:schemeClr>
+                </a:solidFill>
+                <a:latin typeface="넥슨Lv1고딕 Bold" panose="00000800000000000000" pitchFamily="2" charset="-127"/>
+                <a:ea typeface="넥슨Lv1고딕 Bold" panose="00000800000000000000" pitchFamily="2" charset="-127"/>
+              </a:rPr>
+              <a:t>파일</a:t>
             </a:r>
           </a:p>
         </p:txBody>
@@ -22222,8 +23493,8 @@
         </p:nvSpPr>
         <p:spPr>
           <a:xfrm>
-            <a:off x="1415846" y="2061361"/>
-            <a:ext cx="6844233" cy="261610"/>
+            <a:off x="6243583" y="2551766"/>
+            <a:ext cx="1676561" cy="430887"/>
           </a:xfrm>
           <a:prstGeom prst="rect">
             <a:avLst/>
@@ -22241,12 +23512,229 @@
                 <a:latin typeface="넥슨Lv1고딕 Light" panose="00000300000000000000" pitchFamily="2" charset="-127"/>
                 <a:ea typeface="넥슨Lv1고딕 Light" panose="00000300000000000000" pitchFamily="2" charset="-127"/>
               </a:rPr>
-              <a:t>도원님이 생각하는 캡쳐에 대한 설명</a:t>
+              <a:t>각 </a:t>
+            </a:r>
+            <a:r>
+              <a:rPr lang="ko-KR" altLang="en-US" sz="1100" spc="-50" dirty="0" err="1">
+                <a:latin typeface="넥슨Lv1고딕 Light" panose="00000300000000000000" pitchFamily="2" charset="-127"/>
+                <a:ea typeface="넥슨Lv1고딕 Light" panose="00000300000000000000" pitchFamily="2" charset="-127"/>
+              </a:rPr>
+              <a:t>헬퍼</a:t>
+            </a:r>
+            <a:r>
+              <a:rPr lang="ko-KR" altLang="en-US" sz="1100" spc="-50" dirty="0">
+                <a:latin typeface="넥슨Lv1고딕 Light" panose="00000300000000000000" pitchFamily="2" charset="-127"/>
+                <a:ea typeface="넥슨Lv1고딕 Light" panose="00000300000000000000" pitchFamily="2" charset="-127"/>
+              </a:rPr>
+              <a:t> 함수를 통해</a:t>
             </a:r>
             <a:endParaRPr lang="en-US" altLang="ko-KR" sz="1100" spc="-50" dirty="0">
               <a:latin typeface="넥슨Lv1고딕 Light" panose="00000300000000000000" pitchFamily="2" charset="-127"/>
               <a:ea typeface="넥슨Lv1고딕 Light" panose="00000300000000000000" pitchFamily="2" charset="-127"/>
             </a:endParaRPr>
+          </a:p>
+          <a:p>
+            <a:r>
+              <a:rPr lang="ko-KR" altLang="en-US" sz="1100" spc="-50" dirty="0">
+                <a:latin typeface="넥슨Lv1고딕 Light" panose="00000300000000000000" pitchFamily="2" charset="-127"/>
+                <a:ea typeface="넥슨Lv1고딕 Light" panose="00000300000000000000" pitchFamily="2" charset="-127"/>
+              </a:rPr>
+              <a:t>간편하게</a:t>
+            </a:r>
+            <a:r>
+              <a:rPr lang="en-US" altLang="ko-KR" sz="1100" spc="-50" dirty="0">
+                <a:latin typeface="넥슨Lv1고딕 Light" panose="00000300000000000000" pitchFamily="2" charset="-127"/>
+                <a:ea typeface="넥슨Lv1고딕 Light" panose="00000300000000000000" pitchFamily="2" charset="-127"/>
+              </a:rPr>
+              <a:t> </a:t>
+            </a:r>
+            <a:r>
+              <a:rPr lang="ko-KR" altLang="en-US" sz="1100" spc="-50" dirty="0">
+                <a:latin typeface="넥슨Lv1고딕 Light" panose="00000300000000000000" pitchFamily="2" charset="-127"/>
+                <a:ea typeface="넥슨Lv1고딕 Light" panose="00000300000000000000" pitchFamily="2" charset="-127"/>
+              </a:rPr>
+              <a:t>함수 사용 가능</a:t>
+            </a:r>
+            <a:endParaRPr lang="en-US" altLang="ko-KR" sz="1100" spc="-50" dirty="0">
+              <a:latin typeface="넥슨Lv1고딕 Light" panose="00000300000000000000" pitchFamily="2" charset="-127"/>
+              <a:ea typeface="넥슨Lv1고딕 Light" panose="00000300000000000000" pitchFamily="2" charset="-127"/>
+            </a:endParaRPr>
+          </a:p>
+        </p:txBody>
+      </p:sp>
+      <p:pic>
+        <p:nvPicPr>
+          <p:cNvPr id="5" name="그림 4">
+            <a:extLst>
+              <a:ext uri="{FF2B5EF4-FFF2-40B4-BE49-F238E27FC236}">
+                <a16:creationId xmlns:a16="http://schemas.microsoft.com/office/drawing/2014/main" id="{7FFB5F92-1AA3-4F29-9E65-A9B5EC8714EA}"/>
+              </a:ext>
+            </a:extLst>
+          </p:cNvPr>
+          <p:cNvPicPr>
+            <a:picLocks noChangeAspect="1"/>
+          </p:cNvPicPr>
+          <p:nvPr/>
+        </p:nvPicPr>
+        <p:blipFill>
+          <a:blip r:embed="rId3">
+            <a:extLst>
+              <a:ext uri="{28A0092B-C50C-407E-A947-70E740481C1C}">
+                <a14:useLocalDpi xmlns:a14="http://schemas.microsoft.com/office/drawing/2010/main" val="0"/>
+              </a:ext>
+            </a:extLst>
+          </a:blip>
+          <a:stretch>
+            <a:fillRect/>
+          </a:stretch>
+        </p:blipFill>
+        <p:spPr>
+          <a:xfrm>
+            <a:off x="1415846" y="2062967"/>
+            <a:ext cx="4642942" cy="257175"/>
+          </a:xfrm>
+          <a:prstGeom prst="rect">
+            <a:avLst/>
+          </a:prstGeom>
+        </p:spPr>
+      </p:pic>
+      <p:pic>
+        <p:nvPicPr>
+          <p:cNvPr id="12" name="그림 11">
+            <a:extLst>
+              <a:ext uri="{FF2B5EF4-FFF2-40B4-BE49-F238E27FC236}">
+                <a16:creationId xmlns:a16="http://schemas.microsoft.com/office/drawing/2014/main" id="{5923EDFD-52BC-42A7-BD1B-C041DAC7952E}"/>
+              </a:ext>
+            </a:extLst>
+          </p:cNvPr>
+          <p:cNvPicPr>
+            <a:picLocks noChangeAspect="1"/>
+          </p:cNvPicPr>
+          <p:nvPr/>
+        </p:nvPicPr>
+        <p:blipFill>
+          <a:blip r:embed="rId4">
+            <a:extLst>
+              <a:ext uri="{28A0092B-C50C-407E-A947-70E740481C1C}">
+                <a14:useLocalDpi xmlns:a14="http://schemas.microsoft.com/office/drawing/2010/main" val="0"/>
+              </a:ext>
+            </a:extLst>
+          </a:blip>
+          <a:stretch>
+            <a:fillRect/>
+          </a:stretch>
+        </p:blipFill>
+        <p:spPr>
+          <a:xfrm>
+            <a:off x="1415846" y="2333353"/>
+            <a:ext cx="4642942" cy="4108300"/>
+          </a:xfrm>
+          <a:prstGeom prst="rect">
+            <a:avLst/>
+          </a:prstGeom>
+        </p:spPr>
+      </p:pic>
+      <p:sp>
+        <p:nvSpPr>
+          <p:cNvPr id="14" name="직사각형 13">
+            <a:extLst>
+              <a:ext uri="{FF2B5EF4-FFF2-40B4-BE49-F238E27FC236}">
+                <a16:creationId xmlns:a16="http://schemas.microsoft.com/office/drawing/2014/main" id="{88910B9D-0C39-4C61-96BC-8B797FAFDAC3}"/>
+              </a:ext>
+            </a:extLst>
+          </p:cNvPr>
+          <p:cNvSpPr/>
+          <p:nvPr/>
+        </p:nvSpPr>
+        <p:spPr>
+          <a:xfrm>
+            <a:off x="1814052" y="3716594"/>
+            <a:ext cx="943896" cy="368709"/>
+          </a:xfrm>
+          <a:prstGeom prst="rect">
+            <a:avLst/>
+          </a:prstGeom>
+          <a:noFill/>
+          <a:ln w="19050">
+            <a:solidFill>
+              <a:srgbClr val="FF0000"/>
+            </a:solidFill>
+          </a:ln>
+        </p:spPr>
+        <p:style>
+          <a:lnRef idx="2">
+            <a:schemeClr val="accent1">
+              <a:shade val="50000"/>
+            </a:schemeClr>
+          </a:lnRef>
+          <a:fillRef idx="1">
+            <a:schemeClr val="accent1"/>
+          </a:fillRef>
+          <a:effectRef idx="0">
+            <a:schemeClr val="accent1"/>
+          </a:effectRef>
+          <a:fontRef idx="minor">
+            <a:schemeClr val="lt1"/>
+          </a:fontRef>
+        </p:style>
+        <p:txBody>
+          <a:bodyPr rtlCol="0" anchor="ctr"/>
+          <a:lstStyle/>
+          <a:p>
+            <a:pPr algn="ctr"/>
+            <a:endParaRPr lang="ko-KR" altLang="en-US"/>
+          </a:p>
+        </p:txBody>
+      </p:sp>
+      <p:sp>
+        <p:nvSpPr>
+          <p:cNvPr id="15" name="직사각형 14">
+            <a:extLst>
+              <a:ext uri="{FF2B5EF4-FFF2-40B4-BE49-F238E27FC236}">
+                <a16:creationId xmlns:a16="http://schemas.microsoft.com/office/drawing/2014/main" id="{1DBC5BD3-E7F6-480C-9F31-BA8FBC62348C}"/>
+              </a:ext>
+            </a:extLst>
+          </p:cNvPr>
+          <p:cNvSpPr/>
+          <p:nvPr/>
+        </p:nvSpPr>
+        <p:spPr>
+          <a:xfrm>
+            <a:off x="1814052" y="4285945"/>
+            <a:ext cx="1548580" cy="381920"/>
+          </a:xfrm>
+          <a:prstGeom prst="rect">
+            <a:avLst/>
+          </a:prstGeom>
+          <a:noFill/>
+          <a:ln w="19050">
+            <a:solidFill>
+              <a:srgbClr val="FF0000"/>
+            </a:solidFill>
+          </a:ln>
+        </p:spPr>
+        <p:style>
+          <a:lnRef idx="2">
+            <a:schemeClr val="accent1">
+              <a:shade val="50000"/>
+            </a:schemeClr>
+          </a:lnRef>
+          <a:fillRef idx="1">
+            <a:schemeClr val="accent1"/>
+          </a:fillRef>
+          <a:effectRef idx="0">
+            <a:schemeClr val="accent1"/>
+          </a:effectRef>
+          <a:fontRef idx="minor">
+            <a:schemeClr val="lt1"/>
+          </a:fontRef>
+        </p:style>
+        <p:txBody>
+          <a:bodyPr rtlCol="0" anchor="ctr"/>
+          <a:lstStyle/>
+          <a:p>
+            <a:pPr algn="ctr"/>
+            <a:endParaRPr lang="ko-KR" altLang="en-US"/>
           </a:p>
         </p:txBody>
       </p:sp>
@@ -22707,7 +24195,7 @@
           <a:lstStyle/>
           <a:p>
             <a:r>
-              <a:rPr lang="ko-KR" altLang="en-US" sz="1200" spc="-50" dirty="0">
+              <a:rPr lang="en-US" altLang="ko-KR" sz="1200" spc="-50" dirty="0" err="1">
                 <a:solidFill>
                   <a:schemeClr val="accent1">
                     <a:lumMod val="50000"/>
@@ -22716,7 +24204,31 @@
                 <a:latin typeface="넥슨Lv1고딕 Bold" panose="00000800000000000000" pitchFamily="2" charset="-127"/>
                 <a:ea typeface="넥슨Lv1고딕 Bold" panose="00000800000000000000" pitchFamily="2" charset="-127"/>
               </a:rPr>
-              <a:t>도원님이 생각하는 캡쳐에 대한 제목</a:t>
+              <a:t>MonsterForm.vue</a:t>
+            </a:r>
+            <a:r>
+              <a:rPr lang="en-US" altLang="ko-KR" sz="1200" spc="-50" dirty="0">
+                <a:solidFill>
+                  <a:schemeClr val="accent1">
+                    <a:lumMod val="50000"/>
+                  </a:schemeClr>
+                </a:solidFill>
+                <a:latin typeface="넥슨Lv1고딕 Bold" panose="00000800000000000000" pitchFamily="2" charset="-127"/>
+                <a:ea typeface="넥슨Lv1고딕 Bold" panose="00000800000000000000" pitchFamily="2" charset="-127"/>
+              </a:rPr>
+              <a:t> </a:t>
+            </a:r>
+            <a:r>
+              <a:rPr lang="ko-KR" altLang="en-US" sz="1200" spc="-50" dirty="0">
+                <a:solidFill>
+                  <a:schemeClr val="accent1">
+                    <a:lumMod val="50000"/>
+                  </a:schemeClr>
+                </a:solidFill>
+                <a:latin typeface="넥슨Lv1고딕 Bold" panose="00000800000000000000" pitchFamily="2" charset="-127"/>
+                <a:ea typeface="넥슨Lv1고딕 Bold" panose="00000800000000000000" pitchFamily="2" charset="-127"/>
+              </a:rPr>
+              <a:t>파일</a:t>
             </a:r>
           </a:p>
         </p:txBody>
@@ -23015,55 +24527,134 @@
           <a:lstStyle/>
           <a:p>
             <a:r>
+              <a:rPr lang="en-US" altLang="ko-KR" sz="1100" spc="-50" dirty="0">
+                <a:latin typeface="넥슨Lv1고딕 Light" panose="00000300000000000000" pitchFamily="2" charset="-127"/>
+                <a:ea typeface="넥슨Lv1고딕 Light" panose="00000300000000000000" pitchFamily="2" charset="-127"/>
+              </a:rPr>
+              <a:t>this.$</a:t>
+            </a:r>
+            <a:r>
+              <a:rPr lang="en-US" altLang="ko-KR" sz="1100" spc="-50" dirty="0" err="1">
+                <a:latin typeface="넥슨Lv1고딕 Light" panose="00000300000000000000" pitchFamily="2" charset="-127"/>
+                <a:ea typeface="넥슨Lv1고딕 Light" panose="00000300000000000000" pitchFamily="2" charset="-127"/>
+              </a:rPr>
+              <a:t>store.dispatch</a:t>
+            </a:r>
+            <a:r>
+              <a:rPr lang="en-US" altLang="ko-KR" sz="1100" spc="-50" dirty="0">
+                <a:latin typeface="넥슨Lv1고딕 Light" panose="00000300000000000000" pitchFamily="2" charset="-127"/>
+                <a:ea typeface="넥슨Lv1고딕 Light" panose="00000300000000000000" pitchFamily="2" charset="-127"/>
+              </a:rPr>
+              <a:t>() </a:t>
+            </a:r>
+            <a:r>
               <a:rPr lang="ko-KR" altLang="en-US" sz="1100" spc="-50" dirty="0">
                 <a:latin typeface="넥슨Lv1고딕 Light" panose="00000300000000000000" pitchFamily="2" charset="-127"/>
                 <a:ea typeface="넥슨Lv1고딕 Light" panose="00000300000000000000" pitchFamily="2" charset="-127"/>
               </a:rPr>
-              <a:t>도원님이 생각하는 캡쳐에 대한 설명</a:t>
-            </a:r>
-            <a:endParaRPr lang="en-US" altLang="ko-KR" sz="1100" spc="-50" dirty="0">
-              <a:latin typeface="넥슨Lv1고딕 Light" panose="00000300000000000000" pitchFamily="2" charset="-127"/>
-              <a:ea typeface="넥슨Lv1고딕 Light" panose="00000300000000000000" pitchFamily="2" charset="-127"/>
-            </a:endParaRPr>
-          </a:p>
-        </p:txBody>
-      </p:sp>
-    </p:spTree>
-    <p:extLst>
-      <p:ext uri="{BB962C8B-B14F-4D97-AF65-F5344CB8AC3E}">
-        <p14:creationId xmlns:p14="http://schemas.microsoft.com/office/powerpoint/2010/main" val="67731332"/>
-      </p:ext>
-    </p:extLst>
-  </p:cSld>
-  <p:clrMapOvr>
-    <a:masterClrMapping/>
-  </p:clrMapOvr>
-</p:sld>
-</file>
-
-<file path=ppt/slides/slide31.xml><?xml version="1.0" encoding="utf-8"?>
-<p:sld xmlns:a="http://schemas.openxmlformats.org/drawingml/2006/main" xmlns:r="http://schemas.openxmlformats.org/officeDocument/2006/relationships" xmlns:p="http://schemas.openxmlformats.org/presentationml/2006/main">
-  <p:cSld>
-    <p:spTree>
-      <p:nvGrpSpPr>
-        <p:cNvPr id="1" name=""/>
-        <p:cNvGrpSpPr/>
-        <p:nvPr/>
-      </p:nvGrpSpPr>
-      <p:grpSpPr>
-        <a:xfrm>
-          <a:off x="0" y="0"/>
-          <a:ext cx="0" cy="0"/>
-          <a:chOff x="0" y="0"/>
-          <a:chExt cx="0" cy="0"/>
-        </a:xfrm>
-      </p:grpSpPr>
-      <p:sp>
-        <p:nvSpPr>
-          <p:cNvPr id="11" name="모서리가 둥근 직사각형 6">
+              <a:t>구문을 통해 </a:t>
+            </a:r>
+            <a:r>
+              <a:rPr lang="en-US" altLang="ko-KR" sz="1100" spc="-50" dirty="0" err="1">
+                <a:latin typeface="넥슨Lv1고딕 Light" panose="00000300000000000000" pitchFamily="2" charset="-127"/>
+                <a:ea typeface="넥슨Lv1고딕 Light" panose="00000300000000000000" pitchFamily="2" charset="-127"/>
+              </a:rPr>
+              <a:t>vuex</a:t>
+            </a:r>
+            <a:r>
+              <a:rPr lang="ko-KR" altLang="en-US" sz="1100" spc="-50" dirty="0">
+                <a:latin typeface="넥슨Lv1고딕 Light" panose="00000300000000000000" pitchFamily="2" charset="-127"/>
+                <a:ea typeface="넥슨Lv1고딕 Light" panose="00000300000000000000" pitchFamily="2" charset="-127"/>
+              </a:rPr>
+              <a:t>의</a:t>
+            </a:r>
+            <a:r>
+              <a:rPr lang="en-US" altLang="ko-KR" sz="1100" spc="-50" dirty="0">
+                <a:latin typeface="넥슨Lv1고딕 Light" panose="00000300000000000000" pitchFamily="2" charset="-127"/>
+                <a:ea typeface="넥슨Lv1고딕 Light" panose="00000300000000000000" pitchFamily="2" charset="-127"/>
+              </a:rPr>
+              <a:t> actions </a:t>
+            </a:r>
+            <a:r>
+              <a:rPr lang="ko-KR" altLang="en-US" sz="1100" spc="-50" dirty="0">
+                <a:latin typeface="넥슨Lv1고딕 Light" panose="00000300000000000000" pitchFamily="2" charset="-127"/>
+                <a:ea typeface="넥슨Lv1고딕 Light" panose="00000300000000000000" pitchFamily="2" charset="-127"/>
+              </a:rPr>
+              <a:t>에 있는 </a:t>
+            </a:r>
+            <a:r>
+              <a:rPr lang="en-US" altLang="ko-KR" sz="1100" spc="-50" dirty="0" err="1">
+                <a:latin typeface="넥슨Lv1고딕 Light" panose="00000300000000000000" pitchFamily="2" charset="-127"/>
+                <a:ea typeface="넥슨Lv1고딕 Light" panose="00000300000000000000" pitchFamily="2" charset="-127"/>
+              </a:rPr>
+              <a:t>addMonster</a:t>
+            </a:r>
+            <a:r>
+              <a:rPr lang="en-US" altLang="ko-KR" sz="1100" spc="-50" dirty="0">
+                <a:latin typeface="넥슨Lv1고딕 Light" panose="00000300000000000000" pitchFamily="2" charset="-127"/>
+                <a:ea typeface="넥슨Lv1고딕 Light" panose="00000300000000000000" pitchFamily="2" charset="-127"/>
+              </a:rPr>
+              <a:t> </a:t>
+            </a:r>
+            <a:r>
+              <a:rPr lang="ko-KR" altLang="en-US" sz="1100" spc="-50" dirty="0">
+                <a:latin typeface="넥슨Lv1고딕 Light" panose="00000300000000000000" pitchFamily="2" charset="-127"/>
+                <a:ea typeface="넥슨Lv1고딕 Light" panose="00000300000000000000" pitchFamily="2" charset="-127"/>
+              </a:rPr>
+              <a:t>메소드를 호출</a:t>
+            </a:r>
+            <a:r>
+              <a:rPr lang="en-US" altLang="ko-KR" sz="1100" spc="-50" dirty="0">
+                <a:latin typeface="넥슨Lv1고딕 Light" panose="00000300000000000000" pitchFamily="2" charset="-127"/>
+                <a:ea typeface="넥슨Lv1고딕 Light" panose="00000300000000000000" pitchFamily="2" charset="-127"/>
+              </a:rPr>
+              <a:t> </a:t>
+            </a:r>
+          </a:p>
+        </p:txBody>
+      </p:sp>
+      <p:pic>
+        <p:nvPicPr>
+          <p:cNvPr id="7" name="그림 6">
             <a:extLst>
               <a:ext uri="{FF2B5EF4-FFF2-40B4-BE49-F238E27FC236}">
-                <a16:creationId xmlns:a16="http://schemas.microsoft.com/office/drawing/2014/main" id="{9FED845B-4F63-4DFD-B268-993A8D3A33AC}"/>
+                <a16:creationId xmlns:a16="http://schemas.microsoft.com/office/drawing/2014/main" id="{D45598E6-55B0-48AB-BED0-557F8B91F2B1}"/>
+              </a:ext>
+            </a:extLst>
+          </p:cNvPr>
+          <p:cNvPicPr>
+            <a:picLocks noChangeAspect="1"/>
+          </p:cNvPicPr>
+          <p:nvPr/>
+        </p:nvPicPr>
+        <p:blipFill>
+          <a:blip r:embed="rId3">
+            <a:extLst>
+              <a:ext uri="{28A0092B-C50C-407E-A947-70E740481C1C}">
+                <a14:useLocalDpi xmlns:a14="http://schemas.microsoft.com/office/drawing/2010/main" val="0"/>
+              </a:ext>
+            </a:extLst>
+          </a:blip>
+          <a:stretch>
+            <a:fillRect/>
+          </a:stretch>
+        </p:blipFill>
+        <p:spPr>
+          <a:xfrm>
+            <a:off x="1290484" y="2412372"/>
+            <a:ext cx="6969595" cy="2333625"/>
+          </a:xfrm>
+          <a:prstGeom prst="rect">
+            <a:avLst/>
+          </a:prstGeom>
+        </p:spPr>
+      </p:pic>
+      <p:sp>
+        <p:nvSpPr>
+          <p:cNvPr id="9" name="직사각형 8">
+            <a:extLst>
+              <a:ext uri="{FF2B5EF4-FFF2-40B4-BE49-F238E27FC236}">
+                <a16:creationId xmlns:a16="http://schemas.microsoft.com/office/drawing/2014/main" id="{09AA9DCA-CD72-4160-9A81-3151754C5264}"/>
               </a:ext>
             </a:extLst>
           </p:cNvPr>
@@ -23072,285 +24663,16 @@
         </p:nvSpPr>
         <p:spPr>
           <a:xfrm>
-            <a:off x="1109816" y="1621685"/>
-            <a:ext cx="5195885" cy="350275"/>
+            <a:off x="2020529" y="3480619"/>
+            <a:ext cx="3030794" cy="162233"/>
           </a:xfrm>
-          <a:prstGeom prst="roundRect">
+          <a:prstGeom prst="rect">
             <a:avLst/>
           </a:prstGeom>
-          <a:solidFill>
-            <a:schemeClr val="bg1">
-              <a:lumMod val="95000"/>
-            </a:schemeClr>
-          </a:solidFill>
-          <a:ln>
-            <a:noFill/>
-          </a:ln>
-        </p:spPr>
-        <p:style>
-          <a:lnRef idx="2">
-            <a:schemeClr val="accent1">
-              <a:shade val="50000"/>
-            </a:schemeClr>
-          </a:lnRef>
-          <a:fillRef idx="1">
-            <a:schemeClr val="accent1"/>
-          </a:fillRef>
-          <a:effectRef idx="0">
-            <a:schemeClr val="accent1"/>
-          </a:effectRef>
-          <a:fontRef idx="minor">
-            <a:schemeClr val="lt1"/>
-          </a:fontRef>
-        </p:style>
-        <p:txBody>
-          <a:bodyPr lIns="360000" rtlCol="0" anchor="ctr"/>
-          <a:lstStyle/>
-          <a:p>
-            <a:r>
-              <a:rPr lang="ko-KR" altLang="en-US" sz="1200" spc="-50" dirty="0">
-                <a:solidFill>
-                  <a:schemeClr val="accent1">
-                    <a:lumMod val="50000"/>
-                  </a:schemeClr>
-                </a:solidFill>
-                <a:latin typeface="넥슨Lv1고딕 Bold" panose="00000800000000000000" pitchFamily="2" charset="-127"/>
-                <a:ea typeface="넥슨Lv1고딕 Bold" panose="00000800000000000000" pitchFamily="2" charset="-127"/>
-              </a:rPr>
-              <a:t>도원님이 생각하는 캡쳐에 대한 제목</a:t>
-            </a:r>
-          </a:p>
-        </p:txBody>
-      </p:sp>
-      <p:cxnSp>
-        <p:nvCxnSpPr>
-          <p:cNvPr id="13" name="직선 연결선 12"/>
-          <p:cNvCxnSpPr/>
-          <p:nvPr/>
-        </p:nvCxnSpPr>
-        <p:spPr>
-          <a:xfrm>
-            <a:off x="689488" y="1238865"/>
-            <a:ext cx="7647038" cy="0"/>
-          </a:xfrm>
-          <a:prstGeom prst="line">
-            <a:avLst/>
-          </a:prstGeom>
-          <a:ln>
+          <a:noFill/>
+          <a:ln w="19050">
             <a:solidFill>
-              <a:schemeClr val="bg1">
-                <a:lumMod val="85000"/>
-              </a:schemeClr>
-            </a:solidFill>
-          </a:ln>
-        </p:spPr>
-        <p:style>
-          <a:lnRef idx="1">
-            <a:schemeClr val="accent1"/>
-          </a:lnRef>
-          <a:fillRef idx="0">
-            <a:schemeClr val="accent1"/>
-          </a:fillRef>
-          <a:effectRef idx="0">
-            <a:schemeClr val="accent1"/>
-          </a:effectRef>
-          <a:fontRef idx="minor">
-            <a:schemeClr val="tx1"/>
-          </a:fontRef>
-        </p:style>
-      </p:cxnSp>
-      <p:sp>
-        <p:nvSpPr>
-          <p:cNvPr id="3" name="슬라이드 번호 개체 틀 2"/>
-          <p:cNvSpPr>
-            <a:spLocks noGrp="1"/>
-          </p:cNvSpPr>
-          <p:nvPr>
-            <p:ph type="sldNum" sz="quarter" idx="12"/>
-          </p:nvPr>
-        </p:nvSpPr>
-        <p:spPr/>
-        <p:txBody>
-          <a:bodyPr/>
-          <a:lstStyle/>
-          <a:p>
-            <a:fld id="{8D0AD3C7-B26A-41BF-81F8-CAF4A9564849}" type="slidenum">
-              <a:rPr lang="ko-KR" altLang="en-US" smtClean="0"/>
-              <a:pPr/>
-              <a:t>30</a:t>
-            </a:fld>
-            <a:endParaRPr lang="ko-KR" altLang="en-US" dirty="0"/>
-          </a:p>
-        </p:txBody>
-      </p:sp>
-      <p:sp>
-        <p:nvSpPr>
-          <p:cNvPr id="4" name="제목 3"/>
-          <p:cNvSpPr>
-            <a:spLocks noGrp="1"/>
-          </p:cNvSpPr>
-          <p:nvPr>
-            <p:ph type="title"/>
-          </p:nvPr>
-        </p:nvSpPr>
-        <p:spPr>
-          <a:xfrm>
-            <a:off x="628650" y="551713"/>
-            <a:ext cx="7886700" cy="721790"/>
-          </a:xfrm>
-        </p:spPr>
-        <p:txBody>
-          <a:bodyPr>
-            <a:normAutofit/>
-          </a:bodyPr>
-          <a:lstStyle/>
-          <a:p>
-            <a:pPr>
-              <a:lnSpc>
-                <a:spcPct val="110000"/>
-              </a:lnSpc>
-            </a:pPr>
-            <a:r>
-              <a:rPr lang="en-US" altLang="ko-KR" sz="1000" dirty="0" err="1">
-                <a:latin typeface="넥슨Lv1고딕 Light" panose="00000300000000000000" pitchFamily="2" charset="-127"/>
-                <a:ea typeface="넥슨Lv1고딕 Light" panose="00000300000000000000" pitchFamily="2" charset="-127"/>
-              </a:rPr>
-              <a:t>Vuex</a:t>
-            </a:r>
-            <a:r>
-              <a:rPr lang="en-US" altLang="ko-KR" sz="1000" dirty="0">
-                <a:latin typeface="넥슨Lv1고딕 Light" panose="00000300000000000000" pitchFamily="2" charset="-127"/>
-                <a:ea typeface="넥슨Lv1고딕 Light" panose="00000300000000000000" pitchFamily="2" charset="-127"/>
-              </a:rPr>
-              <a:t>_</a:t>
-            </a:r>
-            <a:r>
-              <a:rPr lang="ko-KR" altLang="en-US" sz="1000" dirty="0">
-                <a:latin typeface="넥슨Lv1고딕 Light" panose="00000300000000000000" pitchFamily="2" charset="-127"/>
-                <a:ea typeface="넥슨Lv1고딕 Light" panose="00000300000000000000" pitchFamily="2" charset="-127"/>
-              </a:rPr>
-              <a:t>튜토리얼</a:t>
-            </a:r>
-            <a:br>
-              <a:rPr lang="en-US" altLang="ko-KR" sz="1800" dirty="0">
-                <a:latin typeface="넥슨Lv1고딕 Bold" panose="00000800000000000000" pitchFamily="2" charset="-127"/>
-                <a:ea typeface="넥슨Lv1고딕 Bold" panose="00000800000000000000" pitchFamily="2" charset="-127"/>
-              </a:rPr>
-            </a:br>
-            <a:r>
-              <a:rPr lang="ko-KR" altLang="en-US" sz="1800" dirty="0" err="1">
-                <a:latin typeface="넥슨Lv1고딕 Bold" panose="00000800000000000000" pitchFamily="2" charset="-127"/>
-                <a:ea typeface="넥슨Lv1고딕 Bold" panose="00000800000000000000" pitchFamily="2" charset="-127"/>
-              </a:rPr>
-              <a:t>몬스터리스트</a:t>
-            </a:r>
-            <a:r>
-              <a:rPr lang="ko-KR" altLang="en-US" sz="1800" dirty="0">
-                <a:latin typeface="넥슨Lv1고딕 Bold" panose="00000800000000000000" pitchFamily="2" charset="-127"/>
-                <a:ea typeface="넥슨Lv1고딕 Bold" panose="00000800000000000000" pitchFamily="2" charset="-127"/>
-              </a:rPr>
-              <a:t> </a:t>
-            </a:r>
-            <a:r>
-              <a:rPr lang="en-US" altLang="ko-KR" sz="1800" dirty="0" err="1">
-                <a:latin typeface="넥슨Lv1고딕 Bold" panose="00000800000000000000" pitchFamily="2" charset="-127"/>
-                <a:ea typeface="넥슨Lv1고딕 Bold" panose="00000800000000000000" pitchFamily="2" charset="-127"/>
-              </a:rPr>
-              <a:t>Vuex</a:t>
-            </a:r>
-            <a:r>
-              <a:rPr lang="ko-KR" altLang="en-US" sz="1800" dirty="0">
-                <a:latin typeface="넥슨Lv1고딕 Bold" panose="00000800000000000000" pitchFamily="2" charset="-127"/>
-                <a:ea typeface="넥슨Lv1고딕 Bold" panose="00000800000000000000" pitchFamily="2" charset="-127"/>
-              </a:rPr>
-              <a:t>로 바꾸기</a:t>
-            </a:r>
-            <a:r>
-              <a:rPr lang="en-US" altLang="ko-KR" sz="1800" dirty="0">
-                <a:latin typeface="넥슨Lv1고딕 Bold" panose="00000800000000000000" pitchFamily="2" charset="-127"/>
-                <a:ea typeface="넥슨Lv1고딕 Bold" panose="00000800000000000000" pitchFamily="2" charset="-127"/>
-              </a:rPr>
-              <a:t>_</a:t>
-            </a:r>
-            <a:r>
-              <a:rPr lang="ko-KR" altLang="en-US" sz="1300" dirty="0">
-                <a:solidFill>
-                  <a:srgbClr val="FF0000"/>
-                </a:solidFill>
-                <a:latin typeface="넥슨Lv1고딕 Bold" panose="00000800000000000000" pitchFamily="2" charset="-127"/>
-                <a:ea typeface="넥슨Lv1고딕 Bold" panose="00000800000000000000" pitchFamily="2" charset="-127"/>
-              </a:rPr>
-              <a:t>참고</a:t>
-            </a:r>
-            <a:r>
-              <a:rPr lang="en-US" altLang="ko-KR" sz="1300" dirty="0">
-                <a:solidFill>
-                  <a:srgbClr val="FF0000"/>
-                </a:solidFill>
-                <a:latin typeface="넥슨Lv1고딕 Bold" panose="00000800000000000000" pitchFamily="2" charset="-127"/>
-                <a:ea typeface="넥슨Lv1고딕 Bold" panose="00000800000000000000" pitchFamily="2" charset="-127"/>
-              </a:rPr>
-              <a:t>: 02.</a:t>
-            </a:r>
-            <a:r>
-              <a:rPr lang="ko-KR" altLang="en-US" sz="1300" dirty="0">
-                <a:solidFill>
-                  <a:srgbClr val="FF0000"/>
-                </a:solidFill>
-                <a:latin typeface="넥슨Lv1고딕 Bold" panose="00000800000000000000" pitchFamily="2" charset="-127"/>
-                <a:ea typeface="넥슨Lv1고딕 Bold" panose="00000800000000000000" pitchFamily="2" charset="-127"/>
-              </a:rPr>
-              <a:t>예제코드</a:t>
-            </a:r>
-            <a:r>
-              <a:rPr lang="en-US" altLang="ko-KR" sz="1300" dirty="0">
-                <a:solidFill>
-                  <a:srgbClr val="FF0000"/>
-                </a:solidFill>
-                <a:latin typeface="넥슨Lv1고딕 Bold" panose="00000800000000000000" pitchFamily="2" charset="-127"/>
-                <a:ea typeface="넥슨Lv1고딕 Bold" panose="00000800000000000000" pitchFamily="2" charset="-127"/>
-              </a:rPr>
-              <a:t>\191010_Vuex </a:t>
-            </a:r>
-            <a:r>
-              <a:rPr lang="ko-KR" altLang="en-US" sz="1300" dirty="0">
-                <a:solidFill>
-                  <a:srgbClr val="FF0000"/>
-                </a:solidFill>
-                <a:latin typeface="넥슨Lv1고딕 Bold" panose="00000800000000000000" pitchFamily="2" charset="-127"/>
-                <a:ea typeface="넥슨Lv1고딕 Bold" panose="00000800000000000000" pitchFamily="2" charset="-127"/>
-              </a:rPr>
-              <a:t>상태관리</a:t>
-            </a:r>
-          </a:p>
-        </p:txBody>
-      </p:sp>
-      <p:sp>
-        <p:nvSpPr>
-          <p:cNvPr id="8" name="타원 7">
-            <a:extLst>
-              <a:ext uri="{FF2B5EF4-FFF2-40B4-BE49-F238E27FC236}">
-                <a16:creationId xmlns:a16="http://schemas.microsoft.com/office/drawing/2014/main" id="{F2324F1E-C18D-4621-AD43-EB7FBCDB64FE}"/>
-              </a:ext>
-            </a:extLst>
-          </p:cNvPr>
-          <p:cNvSpPr/>
-          <p:nvPr/>
-        </p:nvSpPr>
-        <p:spPr>
-          <a:xfrm>
-            <a:off x="877529" y="1588501"/>
-            <a:ext cx="412955" cy="412955"/>
-          </a:xfrm>
-          <a:prstGeom prst="ellipse">
-            <a:avLst/>
-          </a:prstGeom>
-          <a:solidFill>
-            <a:srgbClr val="298DBF"/>
-          </a:solidFill>
-          <a:ln w="57150">
-            <a:solidFill>
-              <a:schemeClr val="bg1"/>
+              <a:srgbClr val="FF0000"/>
             </a:solidFill>
           </a:ln>
         </p:spPr>
@@ -23375,64 +24697,14 @@
           <a:lstStyle/>
           <a:p>
             <a:pPr algn="ctr"/>
-            <a:r>
-              <a:rPr lang="en-US" altLang="ko-KR" dirty="0">
-                <a:ea typeface="넥슨Lv1고딕 Light" panose="00000300000000000000" pitchFamily="2" charset="-127"/>
-              </a:rPr>
-              <a:t>0</a:t>
-            </a:r>
-            <a:endParaRPr lang="ko-KR" altLang="en-US" dirty="0">
-              <a:ea typeface="넥슨Lv1고딕 Light" panose="00000300000000000000" pitchFamily="2" charset="-127"/>
-            </a:endParaRPr>
-          </a:p>
-        </p:txBody>
-      </p:sp>
-      <p:sp>
-        <p:nvSpPr>
-          <p:cNvPr id="10" name="TextBox 9">
-            <a:extLst>
-              <a:ext uri="{FF2B5EF4-FFF2-40B4-BE49-F238E27FC236}">
-                <a16:creationId xmlns:a16="http://schemas.microsoft.com/office/drawing/2014/main" id="{B5DF9F18-DEBD-41E6-BF78-48915FE91744}"/>
-              </a:ext>
-            </a:extLst>
-          </p:cNvPr>
-          <p:cNvSpPr txBox="1"/>
-          <p:nvPr/>
-        </p:nvSpPr>
-        <p:spPr>
-          <a:xfrm>
-            <a:off x="1415846" y="2061361"/>
-            <a:ext cx="6844233" cy="261610"/>
-          </a:xfrm>
-          <a:prstGeom prst="rect">
-            <a:avLst/>
-          </a:prstGeom>
-          <a:noFill/>
-        </p:spPr>
-        <p:txBody>
-          <a:bodyPr wrap="square" rtlCol="0">
-            <a:spAutoFit/>
-          </a:bodyPr>
-          <a:lstStyle/>
-          <a:p>
-            <a:r>
-              <a:rPr lang="ko-KR" altLang="en-US" sz="1100" spc="-50" dirty="0">
-                <a:latin typeface="넥슨Lv1고딕 Light" panose="00000300000000000000" pitchFamily="2" charset="-127"/>
-                <a:ea typeface="넥슨Lv1고딕 Light" panose="00000300000000000000" pitchFamily="2" charset="-127"/>
-              </a:rPr>
-              <a:t>도원님이 생각하는 캡쳐에 대한 설명</a:t>
-            </a:r>
-            <a:endParaRPr lang="en-US" altLang="ko-KR" sz="1100" spc="-50" dirty="0">
-              <a:latin typeface="넥슨Lv1고딕 Light" panose="00000300000000000000" pitchFamily="2" charset="-127"/>
-              <a:ea typeface="넥슨Lv1고딕 Light" panose="00000300000000000000" pitchFamily="2" charset="-127"/>
-            </a:endParaRPr>
+            <a:endParaRPr lang="ko-KR" altLang="en-US"/>
           </a:p>
         </p:txBody>
       </p:sp>
     </p:spTree>
     <p:extLst>
       <p:ext uri="{BB962C8B-B14F-4D97-AF65-F5344CB8AC3E}">
-        <p14:creationId xmlns:p14="http://schemas.microsoft.com/office/powerpoint/2010/main" val="2034394878"/>
+        <p14:creationId xmlns:p14="http://schemas.microsoft.com/office/powerpoint/2010/main" val="67731332"/>
       </p:ext>
     </p:extLst>
   </p:cSld>
@@ -23442,408 +24714,7 @@
 </p:sld>
 </file>
 
-<file path=ppt/slides/slide32.xml><?xml version="1.0" encoding="utf-8"?>
-<p:sld xmlns:a="http://schemas.openxmlformats.org/drawingml/2006/main" xmlns:r="http://schemas.openxmlformats.org/officeDocument/2006/relationships" xmlns:p="http://schemas.openxmlformats.org/presentationml/2006/main">
-  <p:cSld>
-    <p:spTree>
-      <p:nvGrpSpPr>
-        <p:cNvPr id="1" name=""/>
-        <p:cNvGrpSpPr/>
-        <p:nvPr/>
-      </p:nvGrpSpPr>
-      <p:grpSpPr>
-        <a:xfrm>
-          <a:off x="0" y="0"/>
-          <a:ext cx="0" cy="0"/>
-          <a:chOff x="0" y="0"/>
-          <a:chExt cx="0" cy="0"/>
-        </a:xfrm>
-      </p:grpSpPr>
-      <p:sp>
-        <p:nvSpPr>
-          <p:cNvPr id="11" name="모서리가 둥근 직사각형 6">
-            <a:extLst>
-              <a:ext uri="{FF2B5EF4-FFF2-40B4-BE49-F238E27FC236}">
-                <a16:creationId xmlns:a16="http://schemas.microsoft.com/office/drawing/2014/main" id="{9FED845B-4F63-4DFD-B268-993A8D3A33AC}"/>
-              </a:ext>
-            </a:extLst>
-          </p:cNvPr>
-          <p:cNvSpPr/>
-          <p:nvPr/>
-        </p:nvSpPr>
-        <p:spPr>
-          <a:xfrm>
-            <a:off x="1109816" y="1621685"/>
-            <a:ext cx="5195885" cy="350275"/>
-          </a:xfrm>
-          <a:prstGeom prst="roundRect">
-            <a:avLst/>
-          </a:prstGeom>
-          <a:solidFill>
-            <a:schemeClr val="bg1">
-              <a:lumMod val="95000"/>
-            </a:schemeClr>
-          </a:solidFill>
-          <a:ln>
-            <a:noFill/>
-          </a:ln>
-        </p:spPr>
-        <p:style>
-          <a:lnRef idx="2">
-            <a:schemeClr val="accent1">
-              <a:shade val="50000"/>
-            </a:schemeClr>
-          </a:lnRef>
-          <a:fillRef idx="1">
-            <a:schemeClr val="accent1"/>
-          </a:fillRef>
-          <a:effectRef idx="0">
-            <a:schemeClr val="accent1"/>
-          </a:effectRef>
-          <a:fontRef idx="minor">
-            <a:schemeClr val="lt1"/>
-          </a:fontRef>
-        </p:style>
-        <p:txBody>
-          <a:bodyPr lIns="360000" rtlCol="0" anchor="ctr"/>
-          <a:lstStyle/>
-          <a:p>
-            <a:r>
-              <a:rPr lang="ko-KR" altLang="en-US" sz="1200" spc="-50" dirty="0">
-                <a:solidFill>
-                  <a:schemeClr val="accent1">
-                    <a:lumMod val="50000"/>
-                  </a:schemeClr>
-                </a:solidFill>
-                <a:latin typeface="넥슨Lv1고딕 Bold" panose="00000800000000000000" pitchFamily="2" charset="-127"/>
-                <a:ea typeface="넥슨Lv1고딕 Bold" panose="00000800000000000000" pitchFamily="2" charset="-127"/>
-              </a:rPr>
-              <a:t>도원님이 생각하는 캡쳐에 대한 제목</a:t>
-            </a:r>
-          </a:p>
-        </p:txBody>
-      </p:sp>
-      <p:cxnSp>
-        <p:nvCxnSpPr>
-          <p:cNvPr id="13" name="직선 연결선 12"/>
-          <p:cNvCxnSpPr/>
-          <p:nvPr/>
-        </p:nvCxnSpPr>
-        <p:spPr>
-          <a:xfrm>
-            <a:off x="689488" y="1238865"/>
-            <a:ext cx="7647038" cy="0"/>
-          </a:xfrm>
-          <a:prstGeom prst="line">
-            <a:avLst/>
-          </a:prstGeom>
-          <a:ln>
-            <a:solidFill>
-              <a:schemeClr val="bg1">
-                <a:lumMod val="85000"/>
-              </a:schemeClr>
-            </a:solidFill>
-          </a:ln>
-        </p:spPr>
-        <p:style>
-          <a:lnRef idx="1">
-            <a:schemeClr val="accent1"/>
-          </a:lnRef>
-          <a:fillRef idx="0">
-            <a:schemeClr val="accent1"/>
-          </a:fillRef>
-          <a:effectRef idx="0">
-            <a:schemeClr val="accent1"/>
-          </a:effectRef>
-          <a:fontRef idx="minor">
-            <a:schemeClr val="tx1"/>
-          </a:fontRef>
-        </p:style>
-      </p:cxnSp>
-      <p:sp>
-        <p:nvSpPr>
-          <p:cNvPr id="3" name="슬라이드 번호 개체 틀 2"/>
-          <p:cNvSpPr>
-            <a:spLocks noGrp="1"/>
-          </p:cNvSpPr>
-          <p:nvPr>
-            <p:ph type="sldNum" sz="quarter" idx="12"/>
-          </p:nvPr>
-        </p:nvSpPr>
-        <p:spPr/>
-        <p:txBody>
-          <a:bodyPr/>
-          <a:lstStyle/>
-          <a:p>
-            <a:fld id="{8D0AD3C7-B26A-41BF-81F8-CAF4A9564849}" type="slidenum">
-              <a:rPr lang="ko-KR" altLang="en-US" smtClean="0"/>
-              <a:pPr/>
-              <a:t>31</a:t>
-            </a:fld>
-            <a:endParaRPr lang="ko-KR" altLang="en-US" dirty="0"/>
-          </a:p>
-        </p:txBody>
-      </p:sp>
-      <p:sp>
-        <p:nvSpPr>
-          <p:cNvPr id="4" name="제목 3"/>
-          <p:cNvSpPr>
-            <a:spLocks noGrp="1"/>
-          </p:cNvSpPr>
-          <p:nvPr>
-            <p:ph type="title"/>
-          </p:nvPr>
-        </p:nvSpPr>
-        <p:spPr>
-          <a:xfrm>
-            <a:off x="628650" y="551713"/>
-            <a:ext cx="7886700" cy="721790"/>
-          </a:xfrm>
-        </p:spPr>
-        <p:txBody>
-          <a:bodyPr>
-            <a:normAutofit/>
-          </a:bodyPr>
-          <a:lstStyle/>
-          <a:p>
-            <a:pPr>
-              <a:lnSpc>
-                <a:spcPct val="110000"/>
-              </a:lnSpc>
-            </a:pPr>
-            <a:r>
-              <a:rPr lang="en-US" altLang="ko-KR" sz="1000" dirty="0" err="1">
-                <a:latin typeface="넥슨Lv1고딕 Light" panose="00000300000000000000" pitchFamily="2" charset="-127"/>
-                <a:ea typeface="넥슨Lv1고딕 Light" panose="00000300000000000000" pitchFamily="2" charset="-127"/>
-              </a:rPr>
-              <a:t>Vuex</a:t>
-            </a:r>
-            <a:r>
-              <a:rPr lang="en-US" altLang="ko-KR" sz="1000" dirty="0">
-                <a:latin typeface="넥슨Lv1고딕 Light" panose="00000300000000000000" pitchFamily="2" charset="-127"/>
-                <a:ea typeface="넥슨Lv1고딕 Light" panose="00000300000000000000" pitchFamily="2" charset="-127"/>
-              </a:rPr>
-              <a:t>_</a:t>
-            </a:r>
-            <a:r>
-              <a:rPr lang="ko-KR" altLang="en-US" sz="1000" dirty="0">
-                <a:latin typeface="넥슨Lv1고딕 Light" panose="00000300000000000000" pitchFamily="2" charset="-127"/>
-                <a:ea typeface="넥슨Lv1고딕 Light" panose="00000300000000000000" pitchFamily="2" charset="-127"/>
-              </a:rPr>
-              <a:t>튜토리얼</a:t>
-            </a:r>
-            <a:br>
-              <a:rPr lang="en-US" altLang="ko-KR" sz="1800" dirty="0">
-                <a:latin typeface="넥슨Lv1고딕 Bold" panose="00000800000000000000" pitchFamily="2" charset="-127"/>
-                <a:ea typeface="넥슨Lv1고딕 Bold" panose="00000800000000000000" pitchFamily="2" charset="-127"/>
-              </a:rPr>
-            </a:br>
-            <a:r>
-              <a:rPr lang="ko-KR" altLang="en-US" sz="1800" dirty="0" err="1">
-                <a:latin typeface="넥슨Lv1고딕 Bold" panose="00000800000000000000" pitchFamily="2" charset="-127"/>
-                <a:ea typeface="넥슨Lv1고딕 Bold" panose="00000800000000000000" pitchFamily="2" charset="-127"/>
-              </a:rPr>
-              <a:t>몬스터리스트</a:t>
-            </a:r>
-            <a:r>
-              <a:rPr lang="ko-KR" altLang="en-US" sz="1800" dirty="0">
-                <a:latin typeface="넥슨Lv1고딕 Bold" panose="00000800000000000000" pitchFamily="2" charset="-127"/>
-                <a:ea typeface="넥슨Lv1고딕 Bold" panose="00000800000000000000" pitchFamily="2" charset="-127"/>
-              </a:rPr>
-              <a:t> </a:t>
-            </a:r>
-            <a:r>
-              <a:rPr lang="en-US" altLang="ko-KR" sz="1800" dirty="0" err="1">
-                <a:latin typeface="넥슨Lv1고딕 Bold" panose="00000800000000000000" pitchFamily="2" charset="-127"/>
-                <a:ea typeface="넥슨Lv1고딕 Bold" panose="00000800000000000000" pitchFamily="2" charset="-127"/>
-              </a:rPr>
-              <a:t>Vuex</a:t>
-            </a:r>
-            <a:r>
-              <a:rPr lang="ko-KR" altLang="en-US" sz="1800" dirty="0">
-                <a:latin typeface="넥슨Lv1고딕 Bold" panose="00000800000000000000" pitchFamily="2" charset="-127"/>
-                <a:ea typeface="넥슨Lv1고딕 Bold" panose="00000800000000000000" pitchFamily="2" charset="-127"/>
-              </a:rPr>
-              <a:t>로 바꾸기</a:t>
-            </a:r>
-            <a:r>
-              <a:rPr lang="en-US" altLang="ko-KR" sz="1800" dirty="0">
-                <a:latin typeface="넥슨Lv1고딕 Bold" panose="00000800000000000000" pitchFamily="2" charset="-127"/>
-                <a:ea typeface="넥슨Lv1고딕 Bold" panose="00000800000000000000" pitchFamily="2" charset="-127"/>
-              </a:rPr>
-              <a:t>_</a:t>
-            </a:r>
-            <a:r>
-              <a:rPr lang="ko-KR" altLang="en-US" sz="1300" dirty="0">
-                <a:solidFill>
-                  <a:srgbClr val="FF0000"/>
-                </a:solidFill>
-                <a:latin typeface="넥슨Lv1고딕 Bold" panose="00000800000000000000" pitchFamily="2" charset="-127"/>
-                <a:ea typeface="넥슨Lv1고딕 Bold" panose="00000800000000000000" pitchFamily="2" charset="-127"/>
-              </a:rPr>
-              <a:t>참고</a:t>
-            </a:r>
-            <a:r>
-              <a:rPr lang="en-US" altLang="ko-KR" sz="1300" dirty="0">
-                <a:solidFill>
-                  <a:srgbClr val="FF0000"/>
-                </a:solidFill>
-                <a:latin typeface="넥슨Lv1고딕 Bold" panose="00000800000000000000" pitchFamily="2" charset="-127"/>
-                <a:ea typeface="넥슨Lv1고딕 Bold" panose="00000800000000000000" pitchFamily="2" charset="-127"/>
-              </a:rPr>
-              <a:t>: 02.</a:t>
-            </a:r>
-            <a:r>
-              <a:rPr lang="ko-KR" altLang="en-US" sz="1300" dirty="0">
-                <a:solidFill>
-                  <a:srgbClr val="FF0000"/>
-                </a:solidFill>
-                <a:latin typeface="넥슨Lv1고딕 Bold" panose="00000800000000000000" pitchFamily="2" charset="-127"/>
-                <a:ea typeface="넥슨Lv1고딕 Bold" panose="00000800000000000000" pitchFamily="2" charset="-127"/>
-              </a:rPr>
-              <a:t>예제코드</a:t>
-            </a:r>
-            <a:r>
-              <a:rPr lang="en-US" altLang="ko-KR" sz="1300" dirty="0">
-                <a:solidFill>
-                  <a:srgbClr val="FF0000"/>
-                </a:solidFill>
-                <a:latin typeface="넥슨Lv1고딕 Bold" panose="00000800000000000000" pitchFamily="2" charset="-127"/>
-                <a:ea typeface="넥슨Lv1고딕 Bold" panose="00000800000000000000" pitchFamily="2" charset="-127"/>
-              </a:rPr>
-              <a:t>\191010_Vuex </a:t>
-            </a:r>
-            <a:r>
-              <a:rPr lang="ko-KR" altLang="en-US" sz="1300" dirty="0">
-                <a:solidFill>
-                  <a:srgbClr val="FF0000"/>
-                </a:solidFill>
-                <a:latin typeface="넥슨Lv1고딕 Bold" panose="00000800000000000000" pitchFamily="2" charset="-127"/>
-                <a:ea typeface="넥슨Lv1고딕 Bold" panose="00000800000000000000" pitchFamily="2" charset="-127"/>
-              </a:rPr>
-              <a:t>상태관리</a:t>
-            </a:r>
-          </a:p>
-        </p:txBody>
-      </p:sp>
-      <p:sp>
-        <p:nvSpPr>
-          <p:cNvPr id="8" name="타원 7">
-            <a:extLst>
-              <a:ext uri="{FF2B5EF4-FFF2-40B4-BE49-F238E27FC236}">
-                <a16:creationId xmlns:a16="http://schemas.microsoft.com/office/drawing/2014/main" id="{F2324F1E-C18D-4621-AD43-EB7FBCDB64FE}"/>
-              </a:ext>
-            </a:extLst>
-          </p:cNvPr>
-          <p:cNvSpPr/>
-          <p:nvPr/>
-        </p:nvSpPr>
-        <p:spPr>
-          <a:xfrm>
-            <a:off x="877529" y="1588501"/>
-            <a:ext cx="412955" cy="412955"/>
-          </a:xfrm>
-          <a:prstGeom prst="ellipse">
-            <a:avLst/>
-          </a:prstGeom>
-          <a:solidFill>
-            <a:srgbClr val="298DBF"/>
-          </a:solidFill>
-          <a:ln w="57150">
-            <a:solidFill>
-              <a:schemeClr val="bg1"/>
-            </a:solidFill>
-          </a:ln>
-        </p:spPr>
-        <p:style>
-          <a:lnRef idx="2">
-            <a:schemeClr val="accent1">
-              <a:shade val="50000"/>
-            </a:schemeClr>
-          </a:lnRef>
-          <a:fillRef idx="1">
-            <a:schemeClr val="accent1"/>
-          </a:fillRef>
-          <a:effectRef idx="0">
-            <a:schemeClr val="accent1"/>
-          </a:effectRef>
-          <a:fontRef idx="minor">
-            <a:schemeClr val="lt1"/>
-          </a:fontRef>
-        </p:style>
-        <p:txBody>
-          <a:bodyPr rtlCol="0" anchor="ctr"/>
-          <a:lstStyle/>
-          <a:p>
-            <a:pPr algn="ctr"/>
-            <a:r>
-              <a:rPr lang="en-US" altLang="ko-KR" dirty="0">
-                <a:ea typeface="넥슨Lv1고딕 Light" panose="00000300000000000000" pitchFamily="2" charset="-127"/>
-              </a:rPr>
-              <a:t>0</a:t>
-            </a:r>
-            <a:endParaRPr lang="ko-KR" altLang="en-US" dirty="0">
-              <a:ea typeface="넥슨Lv1고딕 Light" panose="00000300000000000000" pitchFamily="2" charset="-127"/>
-            </a:endParaRPr>
-          </a:p>
-        </p:txBody>
-      </p:sp>
-      <p:sp>
-        <p:nvSpPr>
-          <p:cNvPr id="10" name="TextBox 9">
-            <a:extLst>
-              <a:ext uri="{FF2B5EF4-FFF2-40B4-BE49-F238E27FC236}">
-                <a16:creationId xmlns:a16="http://schemas.microsoft.com/office/drawing/2014/main" id="{B5DF9F18-DEBD-41E6-BF78-48915FE91744}"/>
-              </a:ext>
-            </a:extLst>
-          </p:cNvPr>
-          <p:cNvSpPr txBox="1"/>
-          <p:nvPr/>
-        </p:nvSpPr>
-        <p:spPr>
-          <a:xfrm>
-            <a:off x="1415846" y="2061361"/>
-            <a:ext cx="6844233" cy="261610"/>
-          </a:xfrm>
-          <a:prstGeom prst="rect">
-            <a:avLst/>
-          </a:prstGeom>
-          <a:noFill/>
-        </p:spPr>
-        <p:txBody>
-          <a:bodyPr wrap="square" rtlCol="0">
-            <a:spAutoFit/>
-          </a:bodyPr>
-          <a:lstStyle/>
-          <a:p>
-            <a:r>
-              <a:rPr lang="ko-KR" altLang="en-US" sz="1100" spc="-50" dirty="0">
-                <a:latin typeface="넥슨Lv1고딕 Light" panose="00000300000000000000" pitchFamily="2" charset="-127"/>
-                <a:ea typeface="넥슨Lv1고딕 Light" panose="00000300000000000000" pitchFamily="2" charset="-127"/>
-              </a:rPr>
-              <a:t>도원님이 생각하는 캡쳐에 대한 설명</a:t>
-            </a:r>
-            <a:endParaRPr lang="en-US" altLang="ko-KR" sz="1100" spc="-50" dirty="0">
-              <a:latin typeface="넥슨Lv1고딕 Light" panose="00000300000000000000" pitchFamily="2" charset="-127"/>
-              <a:ea typeface="넥슨Lv1고딕 Light" panose="00000300000000000000" pitchFamily="2" charset="-127"/>
-            </a:endParaRPr>
-          </a:p>
-        </p:txBody>
-      </p:sp>
-    </p:spTree>
-    <p:extLst>
-      <p:ext uri="{BB962C8B-B14F-4D97-AF65-F5344CB8AC3E}">
-        <p14:creationId xmlns:p14="http://schemas.microsoft.com/office/powerpoint/2010/main" val="1999974592"/>
-      </p:ext>
-    </p:extLst>
-  </p:cSld>
-  <p:clrMapOvr>
-    <a:masterClrMapping/>
-  </p:clrMapOvr>
-</p:sld>
-</file>
-
-<file path=ppt/slides/slide33.xml><?xml version="1.0" encoding="utf-8"?>
+<file path=ppt/slides/slide31.xml><?xml version="1.0" encoding="utf-8"?>
 <p:sld xmlns:a="http://schemas.openxmlformats.org/drawingml/2006/main" xmlns:r="http://schemas.openxmlformats.org/officeDocument/2006/relationships" xmlns:p="http://schemas.openxmlformats.org/presentationml/2006/main">
   <p:cSld>
     <p:spTree>
